--- a/Slides/Clase_11_2018.pptx
+++ b/Slides/Clase_11_2018.pptx
@@ -5,7 +5,7 @@
     <p:sldMasterId id="2147483657" r:id="rId1"/>
   </p:sldMasterIdLst>
   <p:notesMasterIdLst>
-    <p:notesMasterId r:id="rId26"/>
+    <p:notesMasterId r:id="rId28"/>
   </p:notesMasterIdLst>
   <p:sldIdLst>
     <p:sldId id="256" r:id="rId2"/>
@@ -25,37 +25,39 @@
     <p:sldId id="625" r:id="rId16"/>
     <p:sldId id="626" r:id="rId17"/>
     <p:sldId id="627" r:id="rId18"/>
-    <p:sldId id="628" r:id="rId19"/>
-    <p:sldId id="629" r:id="rId20"/>
-    <p:sldId id="630" r:id="rId21"/>
-    <p:sldId id="631" r:id="rId22"/>
-    <p:sldId id="632" r:id="rId23"/>
-    <p:sldId id="633" r:id="rId24"/>
-    <p:sldId id="371" r:id="rId25"/>
+    <p:sldId id="630" r:id="rId19"/>
+    <p:sldId id="631" r:id="rId20"/>
+    <p:sldId id="638" r:id="rId21"/>
+    <p:sldId id="639" r:id="rId22"/>
+    <p:sldId id="640" r:id="rId23"/>
+    <p:sldId id="641" r:id="rId24"/>
+    <p:sldId id="642" r:id="rId25"/>
+    <p:sldId id="643" r:id="rId26"/>
+    <p:sldId id="371" r:id="rId27"/>
   </p:sldIdLst>
   <p:sldSz cx="9144000" cy="5143500" type="screen16x9"/>
   <p:notesSz cx="6858000" cy="9144000"/>
   <p:embeddedFontLst>
     <p:embeddedFont>
-      <p:font typeface="Roboto Condensed Light" panose="020B0604020202020204" charset="0"/>
-      <p:regular r:id="rId27"/>
-      <p:bold r:id="rId28"/>
-      <p:italic r:id="rId29"/>
-      <p:boldItalic r:id="rId30"/>
+      <p:font typeface="Arvo" panose="020B0604020202020204" charset="0"/>
+      <p:regular r:id="rId29"/>
+      <p:bold r:id="rId30"/>
+      <p:italic r:id="rId31"/>
+      <p:boldItalic r:id="rId32"/>
     </p:embeddedFont>
     <p:embeddedFont>
-      <p:font typeface="Arvo" panose="020B0604020202020204" charset="0"/>
-      <p:regular r:id="rId31"/>
-      <p:bold r:id="rId32"/>
-      <p:italic r:id="rId33"/>
-      <p:boldItalic r:id="rId34"/>
+      <p:font typeface="Roboto Condensed Light" panose="020B0604020202020204" charset="0"/>
+      <p:regular r:id="rId33"/>
+      <p:bold r:id="rId34"/>
+      <p:italic r:id="rId35"/>
+      <p:boldItalic r:id="rId36"/>
     </p:embeddedFont>
     <p:embeddedFont>
       <p:font typeface="Roboto Condensed" panose="020B0604020202020204" charset="0"/>
-      <p:regular r:id="rId35"/>
-      <p:bold r:id="rId36"/>
-      <p:italic r:id="rId37"/>
-      <p:boldItalic r:id="rId38"/>
+      <p:regular r:id="rId37"/>
+      <p:bold r:id="rId38"/>
+      <p:italic r:id="rId39"/>
+      <p:boldItalic r:id="rId40"/>
     </p:embeddedFont>
   </p:embeddedFontLst>
   <p:defaultTextStyle>
@@ -3699,7 +3701,7 @@
           <a:p>
             <a:fld id="{00DBF6A6-50B5-43C4-86A5-B2443BF00A40}" type="datetimeFigureOut">
               <a:rPr lang="en-US" smtClean="0"/>
-              <a:t>10/1/2019</a:t>
+              <a:t>10/8/2019</a:t>
             </a:fld>
             <a:endParaRPr lang="en-US"/>
           </a:p>
@@ -7509,6 +7511,13 @@
   <p:clrMapOvr>
     <a:masterClrMapping/>
   </p:clrMapOvr>
+  <p:timing>
+    <p:tnLst>
+      <p:par>
+        <p:cTn id="1" dur="indefinite" restart="never" nodeType="tmRoot"/>
+      </p:par>
+    </p:tnLst>
+  </p:timing>
 </p:sld>
 </file>
 
@@ -8123,6 +8132,13 @@
   <p:clrMapOvr>
     <a:masterClrMapping/>
   </p:clrMapOvr>
+  <p:timing>
+    <p:tnLst>
+      <p:par>
+        <p:cTn id="1" dur="indefinite" restart="never" nodeType="tmRoot"/>
+      </p:par>
+    </p:tnLst>
+  </p:timing>
 </p:sld>
 </file>
 
@@ -8209,1180 +8225,6 @@
             <a:fld id="{00000000-1234-1234-1234-123412341234}" type="slidenum">
               <a:rPr lang="es-MX" smtClean="0"/>
               <a:t>18</a:t>
-            </a:fld>
-            <a:endParaRPr lang="es-MX"/>
-          </a:p>
-        </p:txBody>
-      </p:sp>
-      <p:sp>
-        <p:nvSpPr>
-          <p:cNvPr id="7" name="Rectangle 5"/>
-          <p:cNvSpPr>
-            <a:spLocks noGrp="1" noChangeArrowheads="1"/>
-          </p:cNvSpPr>
-          <p:nvPr>
-            <p:ph type="body" idx="1"/>
-          </p:nvPr>
-        </p:nvSpPr>
-        <p:spPr bwMode="auto">
-          <a:xfrm>
-            <a:off x="814275" y="1566685"/>
-            <a:ext cx="2701060" cy="1159130"/>
-          </a:xfrm>
-          <a:prstGeom prst="rect">
-            <a:avLst/>
-          </a:prstGeom>
-          <a:solidFill>
-            <a:srgbClr val="F7FAFB"/>
-          </a:solidFill>
-          <a:ln>
-            <a:noFill/>
-          </a:ln>
-          <a:effectLst/>
-          <a:extLst>
-            <a:ext uri="{91240B29-F687-4F45-9708-019B960494DF}">
-              <a14:hiddenLine xmlns:a14="http://schemas.microsoft.com/office/drawing/2010/main" w="9525">
-                <a:solidFill>
-                  <a:schemeClr val="tx1"/>
-                </a:solidFill>
-                <a:miter lim="800000"/>
-                <a:headEnd/>
-                <a:tailEnd/>
-              </a14:hiddenLine>
-            </a:ext>
-            <a:ext uri="{AF507438-7753-43E0-B8FC-AC1667EBCBE1}">
-              <a14:hiddenEffects xmlns:a14="http://schemas.microsoft.com/office/drawing/2010/main">
-                <a:effectLst>
-                  <a:outerShdw dist="35921" dir="2700000" algn="ctr" rotWithShape="0">
-                    <a:schemeClr val="bg2"/>
-                  </a:outerShdw>
-                </a:effectLst>
-              </a14:hiddenEffects>
-            </a:ext>
-          </a:extLst>
-        </p:spPr>
-        <p:txBody>
-          <a:bodyPr vert="horz" wrap="none" lIns="0" tIns="253920" rIns="0" bIns="253920" numCol="1" anchor="ctr" anchorCtr="0" compatLnSpc="1">
-            <a:prstTxWarp prst="textNoShape">
-              <a:avLst/>
-            </a:prstTxWarp>
-            <a:spAutoFit/>
-          </a:bodyPr>
-          <a:lstStyle/>
-          <a:p>
-            <a:pPr marL="0" marR="0" lvl="0" indent="0" algn="l" defTabSz="914400" rtl="0" eaLnBrk="0" fontAlgn="base" latinLnBrk="0" hangingPunct="0">
-              <a:lnSpc>
-                <a:spcPct val="100000"/>
-              </a:lnSpc>
-              <a:spcBef>
-                <a:spcPct val="0"/>
-              </a:spcBef>
-              <a:spcAft>
-                <a:spcPct val="0"/>
-              </a:spcAft>
-              <a:buClrTx/>
-              <a:buSzTx/>
-              <a:buFontTx/>
-              <a:buNone/>
-              <a:tabLst/>
-            </a:pPr>
-            <a:r>
-              <a:rPr lang="es-MX" altLang="es-MX" sz="1400" dirty="0">
-                <a:solidFill>
-                  <a:srgbClr val="3A4145"/>
-                </a:solidFill>
-                <a:latin typeface="Inconsolata"/>
-              </a:rPr>
-              <a:t>SELECT * FROM </a:t>
-            </a:r>
-            <a:r>
-              <a:rPr lang="es-MX" altLang="es-MX" sz="1400" dirty="0" err="1">
-                <a:solidFill>
-                  <a:srgbClr val="3A4145"/>
-                </a:solidFill>
-                <a:latin typeface="Inconsolata"/>
-              </a:rPr>
-              <a:t>TableA</a:t>
-            </a:r>
-            <a:r>
-              <a:rPr lang="es-MX" altLang="es-MX" sz="1400" dirty="0">
-                <a:solidFill>
-                  <a:srgbClr val="3A4145"/>
-                </a:solidFill>
-                <a:latin typeface="Inconsolata"/>
-              </a:rPr>
-              <a:t> </a:t>
-            </a:r>
-            <a:endParaRPr lang="es-MX" altLang="es-MX" sz="1400" dirty="0" smtClean="0">
-              <a:solidFill>
-                <a:srgbClr val="3A4145"/>
-              </a:solidFill>
-              <a:latin typeface="Inconsolata"/>
-            </a:endParaRPr>
-          </a:p>
-          <a:p>
-            <a:pPr marL="0" marR="0" lvl="0" indent="0" algn="l" defTabSz="914400" rtl="0" eaLnBrk="0" fontAlgn="base" latinLnBrk="0" hangingPunct="0">
-              <a:lnSpc>
-                <a:spcPct val="100000"/>
-              </a:lnSpc>
-              <a:spcBef>
-                <a:spcPct val="0"/>
-              </a:spcBef>
-              <a:spcAft>
-                <a:spcPct val="0"/>
-              </a:spcAft>
-              <a:buClrTx/>
-              <a:buSzTx/>
-              <a:buFontTx/>
-              <a:buNone/>
-              <a:tabLst/>
-            </a:pPr>
-            <a:r>
-              <a:rPr lang="es-MX" altLang="es-MX" sz="1400" b="1" dirty="0" smtClean="0">
-                <a:solidFill>
-                  <a:srgbClr val="3A4145"/>
-                </a:solidFill>
-                <a:latin typeface="Inconsolata"/>
-              </a:rPr>
-              <a:t>LEFT </a:t>
-            </a:r>
-            <a:r>
-              <a:rPr lang="es-MX" altLang="es-MX" sz="1400" b="1" dirty="0">
-                <a:solidFill>
-                  <a:srgbClr val="3A4145"/>
-                </a:solidFill>
-                <a:latin typeface="Inconsolata"/>
-              </a:rPr>
-              <a:t>OUTER JOIN </a:t>
-            </a:r>
-            <a:r>
-              <a:rPr lang="es-MX" altLang="es-MX" sz="1400" dirty="0" err="1">
-                <a:solidFill>
-                  <a:srgbClr val="3A4145"/>
-                </a:solidFill>
-                <a:latin typeface="Inconsolata"/>
-              </a:rPr>
-              <a:t>TableB</a:t>
-            </a:r>
-            <a:r>
-              <a:rPr lang="es-MX" altLang="es-MX" sz="1400" dirty="0">
-                <a:solidFill>
-                  <a:srgbClr val="3A4145"/>
-                </a:solidFill>
-                <a:latin typeface="Inconsolata"/>
-              </a:rPr>
-              <a:t> </a:t>
-            </a:r>
-            <a:endParaRPr lang="es-MX" altLang="es-MX" sz="1400" dirty="0" smtClean="0">
-              <a:solidFill>
-                <a:srgbClr val="3A4145"/>
-              </a:solidFill>
-              <a:latin typeface="Inconsolata"/>
-            </a:endParaRPr>
-          </a:p>
-          <a:p>
-            <a:pPr marL="0" marR="0" lvl="0" indent="0" algn="l" defTabSz="914400" rtl="0" eaLnBrk="0" fontAlgn="base" latinLnBrk="0" hangingPunct="0">
-              <a:lnSpc>
-                <a:spcPct val="100000"/>
-              </a:lnSpc>
-              <a:spcBef>
-                <a:spcPct val="0"/>
-              </a:spcBef>
-              <a:spcAft>
-                <a:spcPct val="0"/>
-              </a:spcAft>
-              <a:buClrTx/>
-              <a:buSzTx/>
-              <a:buFontTx/>
-              <a:buNone/>
-              <a:tabLst/>
-            </a:pPr>
-            <a:r>
-              <a:rPr lang="es-MX" altLang="es-MX" sz="1400" dirty="0" smtClean="0">
-                <a:solidFill>
-                  <a:srgbClr val="3A4145"/>
-                </a:solidFill>
-                <a:latin typeface="Inconsolata"/>
-              </a:rPr>
-              <a:t>ON </a:t>
-            </a:r>
-            <a:r>
-              <a:rPr lang="es-MX" altLang="es-MX" sz="1400" dirty="0">
-                <a:solidFill>
-                  <a:srgbClr val="3A4145"/>
-                </a:solidFill>
-                <a:latin typeface="Inconsolata"/>
-              </a:rPr>
-              <a:t>TableA.name = TableB.name </a:t>
-            </a:r>
-          </a:p>
-        </p:txBody>
-      </p:sp>
-      <p:pic>
-        <p:nvPicPr>
-          <p:cNvPr id="3079" name="Picture 7" descr="Venn diagram of SQL left join"/>
-          <p:cNvPicPr>
-            <a:picLocks noChangeAspect="1" noChangeArrowheads="1"/>
-          </p:cNvPicPr>
-          <p:nvPr/>
-        </p:nvPicPr>
-        <p:blipFill>
-          <a:blip r:embed="rId2">
-            <a:extLst>
-              <a:ext uri="{28A0092B-C50C-407E-A947-70E740481C1C}">
-                <a14:useLocalDpi xmlns:a14="http://schemas.microsoft.com/office/drawing/2010/main" val="0"/>
-              </a:ext>
-            </a:extLst>
-          </a:blip>
-          <a:srcRect/>
-          <a:stretch>
-            <a:fillRect/>
-          </a:stretch>
-        </p:blipFill>
-        <p:spPr bwMode="auto">
-          <a:xfrm>
-            <a:off x="5166534" y="1849349"/>
-            <a:ext cx="3376804" cy="2213086"/>
-          </a:xfrm>
-          <a:prstGeom prst="rect">
-            <a:avLst/>
-          </a:prstGeom>
-          <a:noFill/>
-          <a:extLst>
-            <a:ext uri="{909E8E84-426E-40DD-AFC4-6F175D3DCCD1}">
-              <a14:hiddenFill xmlns:a14="http://schemas.microsoft.com/office/drawing/2010/main">
-                <a:solidFill>
-                  <a:srgbClr val="FFFFFF"/>
-                </a:solidFill>
-              </a14:hiddenFill>
-            </a:ext>
-          </a:extLst>
-        </p:spPr>
-      </p:pic>
-      <p:sp>
-        <p:nvSpPr>
-          <p:cNvPr id="8" name="Rectángulo 7"/>
-          <p:cNvSpPr/>
-          <p:nvPr/>
-        </p:nvSpPr>
-        <p:spPr>
-          <a:xfrm>
-            <a:off x="594534" y="3280025"/>
-            <a:ext cx="4572000" cy="523220"/>
-          </a:xfrm>
-          <a:prstGeom prst="rect">
-            <a:avLst/>
-          </a:prstGeom>
-        </p:spPr>
-        <p:txBody>
-          <a:bodyPr>
-            <a:spAutoFit/>
-          </a:bodyPr>
-          <a:lstStyle/>
-          <a:p>
-            <a:r>
-              <a:rPr lang="es-MX" dirty="0"/>
-              <a:t>Produce todos los elementos de </a:t>
-            </a:r>
-            <a:r>
-              <a:rPr lang="es-MX" dirty="0" smtClean="0"/>
-              <a:t>A con los elementos de B (si existen), si no hay un match, escribe NULL</a:t>
-            </a:r>
-            <a:endParaRPr lang="es-MX" dirty="0"/>
-          </a:p>
-        </p:txBody>
-      </p:sp>
-      <p:pic>
-        <p:nvPicPr>
-          <p:cNvPr id="3073" name="Picture 1" descr="Venn diagram of SQL inner join"/>
-          <p:cNvPicPr>
-            <a:picLocks noChangeAspect="1" noChangeArrowheads="1"/>
-          </p:cNvPicPr>
-          <p:nvPr/>
-        </p:nvPicPr>
-        <p:blipFill>
-          <a:blip r:embed="rId3">
-            <a:extLst>
-              <a:ext uri="{28A0092B-C50C-407E-A947-70E740481C1C}">
-                <a14:useLocalDpi xmlns:a14="http://schemas.microsoft.com/office/drawing/2010/main" val="0"/>
-              </a:ext>
-            </a:extLst>
-          </a:blip>
-          <a:srcRect/>
-          <a:stretch>
-            <a:fillRect/>
-          </a:stretch>
-        </p:blipFill>
-        <p:spPr bwMode="auto">
-          <a:xfrm>
-            <a:off x="0" y="0"/>
-            <a:ext cx="4781550" cy="3133725"/>
-          </a:xfrm>
-          <a:prstGeom prst="rect">
-            <a:avLst/>
-          </a:prstGeom>
-          <a:noFill/>
-          <a:extLst>
-            <a:ext uri="{909E8E84-426E-40DD-AFC4-6F175D3DCCD1}">
-              <a14:hiddenFill xmlns:a14="http://schemas.microsoft.com/office/drawing/2010/main">
-                <a:solidFill>
-                  <a:srgbClr val="FFFFFF"/>
-                </a:solidFill>
-              </a14:hiddenFill>
-            </a:ext>
-          </a:extLst>
-        </p:spPr>
-      </p:pic>
-      <p:pic>
-        <p:nvPicPr>
-          <p:cNvPr id="3074" name="Picture 2" descr="Venn diagram of SQL cartesian join"/>
-          <p:cNvPicPr>
-            <a:picLocks noChangeAspect="1" noChangeArrowheads="1"/>
-          </p:cNvPicPr>
-          <p:nvPr/>
-        </p:nvPicPr>
-        <p:blipFill>
-          <a:blip r:embed="rId4">
-            <a:extLst>
-              <a:ext uri="{28A0092B-C50C-407E-A947-70E740481C1C}">
-                <a14:useLocalDpi xmlns:a14="http://schemas.microsoft.com/office/drawing/2010/main" val="0"/>
-              </a:ext>
-            </a:extLst>
-          </a:blip>
-          <a:srcRect/>
-          <a:stretch>
-            <a:fillRect/>
-          </a:stretch>
-        </p:blipFill>
-        <p:spPr bwMode="auto">
-          <a:xfrm>
-            <a:off x="0" y="0"/>
-            <a:ext cx="4781550" cy="3133725"/>
-          </a:xfrm>
-          <a:prstGeom prst="rect">
-            <a:avLst/>
-          </a:prstGeom>
-          <a:noFill/>
-          <a:extLst>
-            <a:ext uri="{909E8E84-426E-40DD-AFC4-6F175D3DCCD1}">
-              <a14:hiddenFill xmlns:a14="http://schemas.microsoft.com/office/drawing/2010/main">
-                <a:solidFill>
-                  <a:srgbClr val="FFFFFF"/>
-                </a:solidFill>
-              </a14:hiddenFill>
-            </a:ext>
-          </a:extLst>
-        </p:spPr>
-      </p:pic>
-    </p:spTree>
-    <p:extLst>
-      <p:ext uri="{BB962C8B-B14F-4D97-AF65-F5344CB8AC3E}">
-        <p14:creationId xmlns:p14="http://schemas.microsoft.com/office/powerpoint/2010/main" val="3121560211"/>
-      </p:ext>
-    </p:extLst>
-  </p:cSld>
-  <p:clrMapOvr>
-    <a:masterClrMapping/>
-  </p:clrMapOvr>
-</p:sld>
-</file>
-
-<file path=ppt/slides/slide19.xml><?xml version="1.0" encoding="utf-8"?>
-<p:sld xmlns:a="http://schemas.openxmlformats.org/drawingml/2006/main" xmlns:r="http://schemas.openxmlformats.org/officeDocument/2006/relationships" xmlns:p="http://schemas.openxmlformats.org/presentationml/2006/main">
-  <p:cSld>
-    <p:spTree>
-      <p:nvGrpSpPr>
-        <p:cNvPr id="1" name=""/>
-        <p:cNvGrpSpPr/>
-        <p:nvPr/>
-      </p:nvGrpSpPr>
-      <p:grpSpPr>
-        <a:xfrm>
-          <a:off x="0" y="0"/>
-          <a:ext cx="0" cy="0"/>
-          <a:chOff x="0" y="0"/>
-          <a:chExt cx="0" cy="0"/>
-        </a:xfrm>
-      </p:grpSpPr>
-      <p:sp>
-        <p:nvSpPr>
-          <p:cNvPr id="2" name="Título 1"/>
-          <p:cNvSpPr>
-            <a:spLocks noGrp="1"/>
-          </p:cNvSpPr>
-          <p:nvPr>
-            <p:ph type="title"/>
-          </p:nvPr>
-        </p:nvSpPr>
-        <p:spPr/>
-        <p:txBody>
-          <a:bodyPr/>
-          <a:lstStyle/>
-          <a:p>
-            <a:r>
-              <a:rPr lang="es-MX" dirty="0" err="1" smtClean="0"/>
-              <a:t>Left</a:t>
-            </a:r>
-            <a:r>
-              <a:rPr lang="es-MX" dirty="0" smtClean="0"/>
-              <a:t> </a:t>
-            </a:r>
-            <a:r>
-              <a:rPr lang="es-MX" dirty="0" err="1" smtClean="0"/>
-              <a:t>Outer</a:t>
-            </a:r>
-            <a:r>
-              <a:rPr lang="es-MX" dirty="0" smtClean="0"/>
-              <a:t> </a:t>
-            </a:r>
-            <a:r>
-              <a:rPr lang="es-MX" dirty="0" err="1" smtClean="0"/>
-              <a:t>Join</a:t>
-            </a:r>
-            <a:endParaRPr lang="es-MX" dirty="0"/>
-          </a:p>
-        </p:txBody>
-      </p:sp>
-      <p:sp>
-        <p:nvSpPr>
-          <p:cNvPr id="4" name="Marcador de número de diapositiva 3"/>
-          <p:cNvSpPr>
-            <a:spLocks noGrp="1"/>
-          </p:cNvSpPr>
-          <p:nvPr>
-            <p:ph type="sldNum" idx="12"/>
-          </p:nvPr>
-        </p:nvSpPr>
-        <p:spPr/>
-        <p:txBody>
-          <a:bodyPr/>
-          <a:lstStyle/>
-          <a:p>
-            <a:pPr marL="0" lvl="0" indent="0">
-              <a:spcBef>
-                <a:spcPts val="0"/>
-              </a:spcBef>
-              <a:spcAft>
-                <a:spcPts val="0"/>
-              </a:spcAft>
-              <a:buNone/>
-            </a:pPr>
-            <a:fld id="{00000000-1234-1234-1234-123412341234}" type="slidenum">
-              <a:rPr lang="es-MX" smtClean="0"/>
-              <a:t>19</a:t>
-            </a:fld>
-            <a:endParaRPr lang="es-MX"/>
-          </a:p>
-        </p:txBody>
-      </p:sp>
-      <p:graphicFrame>
-        <p:nvGraphicFramePr>
-          <p:cNvPr id="5" name="Tabla 4"/>
-          <p:cNvGraphicFramePr>
-            <a:graphicFrameLocks noGrp="1"/>
-          </p:cNvGraphicFramePr>
-          <p:nvPr>
-            <p:extLst>
-              <p:ext uri="{D42A27DB-BD31-4B8C-83A1-F6EECF244321}">
-                <p14:modId xmlns:p14="http://schemas.microsoft.com/office/powerpoint/2010/main" val="2401555659"/>
-              </p:ext>
-            </p:extLst>
-          </p:nvPr>
-        </p:nvGraphicFramePr>
-        <p:xfrm>
-          <a:off x="2578142" y="1938537"/>
-          <a:ext cx="3432240" cy="2087880"/>
-        </p:xfrm>
-        <a:graphic>
-          <a:graphicData uri="http://schemas.openxmlformats.org/drawingml/2006/table">
-            <a:tbl>
-              <a:tblPr firstRow="1" bandRow="1">
-                <a:tableStyleId>{69C7853C-536D-4A76-A0AE-DD22124D55A5}</a:tableStyleId>
-              </a:tblPr>
-              <a:tblGrid>
-                <a:gridCol w="858060">
-                  <a:extLst>
-                    <a:ext uri="{9D8B030D-6E8A-4147-A177-3AD203B41FA5}">
-                      <a16:colId xmlns:a16="http://schemas.microsoft.com/office/drawing/2014/main" val="2464280950"/>
-                    </a:ext>
-                  </a:extLst>
-                </a:gridCol>
-                <a:gridCol w="858060">
-                  <a:extLst>
-                    <a:ext uri="{9D8B030D-6E8A-4147-A177-3AD203B41FA5}">
-                      <a16:colId xmlns:a16="http://schemas.microsoft.com/office/drawing/2014/main" val="3605514935"/>
-                    </a:ext>
-                  </a:extLst>
-                </a:gridCol>
-                <a:gridCol w="858060">
-                  <a:extLst>
-                    <a:ext uri="{9D8B030D-6E8A-4147-A177-3AD203B41FA5}">
-                      <a16:colId xmlns:a16="http://schemas.microsoft.com/office/drawing/2014/main" val="3259286901"/>
-                    </a:ext>
-                  </a:extLst>
-                </a:gridCol>
-                <a:gridCol w="858060">
-                  <a:extLst>
-                    <a:ext uri="{9D8B030D-6E8A-4147-A177-3AD203B41FA5}">
-                      <a16:colId xmlns:a16="http://schemas.microsoft.com/office/drawing/2014/main" val="1017540606"/>
-                    </a:ext>
-                  </a:extLst>
-                </a:gridCol>
-              </a:tblGrid>
-              <a:tr h="370840">
-                <a:tc>
-                  <a:txBody>
-                    <a:bodyPr/>
-                    <a:lstStyle/>
-                    <a:p>
-                      <a:r>
-                        <a:rPr lang="es-MX" dirty="0" smtClean="0"/>
-                        <a:t>id</a:t>
-                      </a:r>
-                      <a:endParaRPr lang="es-MX" dirty="0"/>
-                    </a:p>
-                  </a:txBody>
-                  <a:tcPr/>
-                </a:tc>
-                <a:tc>
-                  <a:txBody>
-                    <a:bodyPr/>
-                    <a:lstStyle/>
-                    <a:p>
-                      <a:r>
-                        <a:rPr lang="es-MX" dirty="0" err="1" smtClean="0"/>
-                        <a:t>name</a:t>
-                      </a:r>
-                      <a:endParaRPr lang="es-MX" dirty="0"/>
-                    </a:p>
-                  </a:txBody>
-                  <a:tcPr/>
-                </a:tc>
-                <a:tc>
-                  <a:txBody>
-                    <a:bodyPr/>
-                    <a:lstStyle/>
-                    <a:p>
-                      <a:r>
-                        <a:rPr lang="es-MX" dirty="0" smtClean="0"/>
-                        <a:t>id</a:t>
-                      </a:r>
-                      <a:endParaRPr lang="es-MX" dirty="0"/>
-                    </a:p>
-                  </a:txBody>
-                  <a:tcPr/>
-                </a:tc>
-                <a:tc>
-                  <a:txBody>
-                    <a:bodyPr/>
-                    <a:lstStyle/>
-                    <a:p>
-                      <a:r>
-                        <a:rPr lang="es-MX" dirty="0" err="1" smtClean="0"/>
-                        <a:t>name</a:t>
-                      </a:r>
-                      <a:endParaRPr lang="es-MX" dirty="0"/>
-                    </a:p>
-                  </a:txBody>
-                  <a:tcPr/>
-                </a:tc>
-                <a:extLst>
-                  <a:ext uri="{0D108BD9-81ED-4DB2-BD59-A6C34878D82A}">
-                    <a16:rowId xmlns:a16="http://schemas.microsoft.com/office/drawing/2014/main" val="1951122558"/>
-                  </a:ext>
-                </a:extLst>
-              </a:tr>
-              <a:tr h="370840">
-                <a:tc>
-                  <a:txBody>
-                    <a:bodyPr/>
-                    <a:lstStyle/>
-                    <a:p>
-                      <a:r>
-                        <a:rPr lang="es-MX" dirty="0" smtClean="0"/>
-                        <a:t>1</a:t>
-                      </a:r>
-                      <a:endParaRPr lang="es-MX" dirty="0"/>
-                    </a:p>
-                  </a:txBody>
-                  <a:tcPr/>
-                </a:tc>
-                <a:tc>
-                  <a:txBody>
-                    <a:bodyPr/>
-                    <a:lstStyle/>
-                    <a:p>
-                      <a:r>
-                        <a:rPr lang="es-MX" dirty="0" smtClean="0"/>
-                        <a:t>Frodo</a:t>
-                      </a:r>
-                      <a:endParaRPr lang="es-MX" dirty="0"/>
-                    </a:p>
-                  </a:txBody>
-                  <a:tcPr/>
-                </a:tc>
-                <a:tc>
-                  <a:txBody>
-                    <a:bodyPr/>
-                    <a:lstStyle/>
-                    <a:p>
-                      <a:r>
-                        <a:rPr lang="es-MX" dirty="0" smtClean="0"/>
-                        <a:t>2</a:t>
-                      </a:r>
-                      <a:endParaRPr lang="es-MX" dirty="0"/>
-                    </a:p>
-                  </a:txBody>
-                  <a:tcPr/>
-                </a:tc>
-                <a:tc>
-                  <a:txBody>
-                    <a:bodyPr/>
-                    <a:lstStyle/>
-                    <a:p>
-                      <a:r>
-                        <a:rPr lang="es-MX" dirty="0" smtClean="0"/>
-                        <a:t>Frodo</a:t>
-                      </a:r>
-                      <a:endParaRPr lang="es-MX" dirty="0"/>
-                    </a:p>
-                  </a:txBody>
-                  <a:tcPr/>
-                </a:tc>
-                <a:extLst>
-                  <a:ext uri="{0D108BD9-81ED-4DB2-BD59-A6C34878D82A}">
-                    <a16:rowId xmlns:a16="http://schemas.microsoft.com/office/drawing/2014/main" val="3281184608"/>
-                  </a:ext>
-                </a:extLst>
-              </a:tr>
-              <a:tr h="370840">
-                <a:tc>
-                  <a:txBody>
-                    <a:bodyPr/>
-                    <a:lstStyle/>
-                    <a:p>
-                      <a:r>
-                        <a:rPr lang="es-MX" dirty="0" smtClean="0"/>
-                        <a:t>2</a:t>
-                      </a:r>
-                      <a:endParaRPr lang="es-MX" dirty="0"/>
-                    </a:p>
-                  </a:txBody>
-                  <a:tcPr/>
-                </a:tc>
-                <a:tc>
-                  <a:txBody>
-                    <a:bodyPr/>
-                    <a:lstStyle/>
-                    <a:p>
-                      <a:pPr algn="ctr"/>
-                      <a:r>
-                        <a:rPr lang="es-MX" sz="1200" dirty="0" smtClean="0"/>
-                        <a:t>Gandalf</a:t>
-                      </a:r>
-                      <a:endParaRPr lang="es-MX" sz="1200" dirty="0"/>
-                    </a:p>
-                  </a:txBody>
-                  <a:tcPr/>
-                </a:tc>
-                <a:tc>
-                  <a:txBody>
-                    <a:bodyPr/>
-                    <a:lstStyle/>
-                    <a:p>
-                      <a:r>
-                        <a:rPr lang="es-MX" dirty="0" smtClean="0"/>
-                        <a:t>NULL</a:t>
-                      </a:r>
-                      <a:endParaRPr lang="es-MX" dirty="0"/>
-                    </a:p>
-                  </a:txBody>
-                  <a:tcPr/>
-                </a:tc>
-                <a:tc>
-                  <a:txBody>
-                    <a:bodyPr/>
-                    <a:lstStyle/>
-                    <a:p>
-                      <a:r>
-                        <a:rPr lang="es-MX" dirty="0" smtClean="0"/>
-                        <a:t>NULL</a:t>
-                      </a:r>
-                      <a:endParaRPr lang="es-MX" dirty="0"/>
-                    </a:p>
-                  </a:txBody>
-                  <a:tcPr/>
-                </a:tc>
-                <a:extLst>
-                  <a:ext uri="{0D108BD9-81ED-4DB2-BD59-A6C34878D82A}">
-                    <a16:rowId xmlns:a16="http://schemas.microsoft.com/office/drawing/2014/main" val="2626585721"/>
-                  </a:ext>
-                </a:extLst>
-              </a:tr>
-              <a:tr h="370840">
-                <a:tc>
-                  <a:txBody>
-                    <a:bodyPr/>
-                    <a:lstStyle/>
-                    <a:p>
-                      <a:r>
-                        <a:rPr lang="es-MX" dirty="0" smtClean="0"/>
-                        <a:t>3</a:t>
-                      </a:r>
-                      <a:endParaRPr lang="es-MX" dirty="0"/>
-                    </a:p>
-                  </a:txBody>
-                  <a:tcPr/>
-                </a:tc>
-                <a:tc>
-                  <a:txBody>
-                    <a:bodyPr/>
-                    <a:lstStyle/>
-                    <a:p>
-                      <a:pPr algn="ctr"/>
-                      <a:r>
-                        <a:rPr lang="es-MX" sz="1200" dirty="0" smtClean="0"/>
-                        <a:t>Harry</a:t>
-                      </a:r>
-                      <a:r>
-                        <a:rPr lang="es-MX" sz="1200" baseline="0" dirty="0" smtClean="0"/>
-                        <a:t> Potter</a:t>
-                      </a:r>
-                      <a:endParaRPr lang="es-MX" sz="1200" dirty="0"/>
-                    </a:p>
-                  </a:txBody>
-                  <a:tcPr/>
-                </a:tc>
-                <a:tc>
-                  <a:txBody>
-                    <a:bodyPr/>
-                    <a:lstStyle/>
-                    <a:p>
-                      <a:r>
-                        <a:rPr lang="es-MX" dirty="0" smtClean="0"/>
-                        <a:t>NULL</a:t>
-                      </a:r>
-                      <a:endParaRPr lang="es-MX" dirty="0"/>
-                    </a:p>
-                  </a:txBody>
-                  <a:tcPr/>
-                </a:tc>
-                <a:tc>
-                  <a:txBody>
-                    <a:bodyPr/>
-                    <a:lstStyle/>
-                    <a:p>
-                      <a:r>
-                        <a:rPr lang="es-MX" dirty="0" smtClean="0"/>
-                        <a:t>NULL</a:t>
-                      </a:r>
-                      <a:endParaRPr lang="es-MX" dirty="0"/>
-                    </a:p>
-                  </a:txBody>
-                  <a:tcPr/>
-                </a:tc>
-                <a:extLst>
-                  <a:ext uri="{0D108BD9-81ED-4DB2-BD59-A6C34878D82A}">
-                    <a16:rowId xmlns:a16="http://schemas.microsoft.com/office/drawing/2014/main" val="520813259"/>
-                  </a:ext>
-                </a:extLst>
-              </a:tr>
-              <a:tr h="370840">
-                <a:tc>
-                  <a:txBody>
-                    <a:bodyPr/>
-                    <a:lstStyle/>
-                    <a:p>
-                      <a:r>
-                        <a:rPr lang="es-MX" dirty="0" smtClean="0"/>
-                        <a:t>4</a:t>
-                      </a:r>
-                      <a:endParaRPr lang="es-MX" dirty="0"/>
-                    </a:p>
-                  </a:txBody>
-                  <a:tcPr/>
-                </a:tc>
-                <a:tc>
-                  <a:txBody>
-                    <a:bodyPr/>
-                    <a:lstStyle/>
-                    <a:p>
-                      <a:r>
-                        <a:rPr lang="es-MX" dirty="0" err="1" smtClean="0"/>
-                        <a:t>Darth</a:t>
-                      </a:r>
-                      <a:r>
-                        <a:rPr lang="es-MX" dirty="0" smtClean="0"/>
-                        <a:t> </a:t>
-                      </a:r>
-                      <a:r>
-                        <a:rPr lang="es-MX" dirty="0" err="1" smtClean="0"/>
-                        <a:t>Vader</a:t>
-                      </a:r>
-                      <a:endParaRPr lang="es-MX" dirty="0"/>
-                    </a:p>
-                  </a:txBody>
-                  <a:tcPr/>
-                </a:tc>
-                <a:tc>
-                  <a:txBody>
-                    <a:bodyPr/>
-                    <a:lstStyle/>
-                    <a:p>
-                      <a:r>
-                        <a:rPr lang="es-MX" dirty="0" smtClean="0"/>
-                        <a:t>3</a:t>
-                      </a:r>
-                      <a:endParaRPr lang="es-MX" dirty="0"/>
-                    </a:p>
-                  </a:txBody>
-                  <a:tcPr/>
-                </a:tc>
-                <a:tc>
-                  <a:txBody>
-                    <a:bodyPr/>
-                    <a:lstStyle/>
-                    <a:p>
-                      <a:r>
-                        <a:rPr lang="es-MX" dirty="0" err="1" smtClean="0"/>
-                        <a:t>Darth</a:t>
-                      </a:r>
-                      <a:r>
-                        <a:rPr lang="es-MX" dirty="0" smtClean="0"/>
-                        <a:t> </a:t>
-                      </a:r>
-                      <a:r>
-                        <a:rPr lang="es-MX" dirty="0" err="1" smtClean="0"/>
-                        <a:t>Vader</a:t>
-                      </a:r>
-                      <a:endParaRPr lang="es-MX" dirty="0"/>
-                    </a:p>
-                  </a:txBody>
-                  <a:tcPr/>
-                </a:tc>
-                <a:extLst>
-                  <a:ext uri="{0D108BD9-81ED-4DB2-BD59-A6C34878D82A}">
-                    <a16:rowId xmlns:a16="http://schemas.microsoft.com/office/drawing/2014/main" val="1844794858"/>
-                  </a:ext>
-                </a:extLst>
-              </a:tr>
-            </a:tbl>
-          </a:graphicData>
-        </a:graphic>
-      </p:graphicFrame>
-    </p:spTree>
-    <p:extLst>
-      <p:ext uri="{BB962C8B-B14F-4D97-AF65-F5344CB8AC3E}">
-        <p14:creationId xmlns:p14="http://schemas.microsoft.com/office/powerpoint/2010/main" val="3918775623"/>
-      </p:ext>
-    </p:extLst>
-  </p:cSld>
-  <p:clrMapOvr>
-    <a:masterClrMapping/>
-  </p:clrMapOvr>
-</p:sld>
-</file>
-
-<file path=ppt/slides/slide2.xml><?xml version="1.0" encoding="utf-8"?>
-<p:sld xmlns:a="http://schemas.openxmlformats.org/drawingml/2006/main" xmlns:r="http://schemas.openxmlformats.org/officeDocument/2006/relationships" xmlns:p="http://schemas.openxmlformats.org/presentationml/2006/main">
-  <p:cSld>
-    <p:spTree>
-      <p:nvGrpSpPr>
-        <p:cNvPr id="1" name="Shape 220"/>
-        <p:cNvGrpSpPr/>
-        <p:nvPr/>
-      </p:nvGrpSpPr>
-      <p:grpSpPr>
-        <a:xfrm>
-          <a:off x="0" y="0"/>
-          <a:ext cx="0" cy="0"/>
-          <a:chOff x="0" y="0"/>
-          <a:chExt cx="0" cy="0"/>
-        </a:xfrm>
-      </p:grpSpPr>
-      <p:sp>
-        <p:nvSpPr>
-          <p:cNvPr id="221" name="Google Shape;221;p14"/>
-          <p:cNvSpPr txBox="1">
-            <a:spLocks noGrp="1"/>
-          </p:cNvSpPr>
-          <p:nvPr>
-            <p:ph type="ctrTitle"/>
-          </p:nvPr>
-        </p:nvSpPr>
-        <p:spPr>
-          <a:xfrm>
-            <a:off x="463525" y="2871148"/>
-            <a:ext cx="4094400" cy="1159800"/>
-          </a:xfrm>
-          <a:prstGeom prst="rect">
-            <a:avLst/>
-          </a:prstGeom>
-        </p:spPr>
-        <p:txBody>
-          <a:bodyPr spcFirstLastPara="1" wrap="square" lIns="91425" tIns="91425" rIns="91425" bIns="91425" anchor="b" anchorCtr="0">
-            <a:noAutofit/>
-          </a:bodyPr>
-          <a:lstStyle/>
-          <a:p>
-            <a:pPr marL="0" lvl="0" indent="0" rtl="0">
-              <a:spcBef>
-                <a:spcPts val="0"/>
-              </a:spcBef>
-              <a:spcAft>
-                <a:spcPts val="0"/>
-              </a:spcAft>
-              <a:buNone/>
-            </a:pPr>
-            <a:r>
-              <a:rPr lang="es-MX" dirty="0" smtClean="0"/>
-              <a:t>Anuncios parroquiales</a:t>
-            </a:r>
-            <a:endParaRPr lang="es-MX" dirty="0"/>
-          </a:p>
-        </p:txBody>
-      </p:sp>
-      <p:sp>
-        <p:nvSpPr>
-          <p:cNvPr id="222" name="Google Shape;222;p14"/>
-          <p:cNvSpPr txBox="1">
-            <a:spLocks noGrp="1"/>
-          </p:cNvSpPr>
-          <p:nvPr>
-            <p:ph type="subTitle" idx="1"/>
-          </p:nvPr>
-        </p:nvSpPr>
-        <p:spPr>
-          <a:xfrm>
-            <a:off x="463525" y="3975449"/>
-            <a:ext cx="4094400" cy="784800"/>
-          </a:xfrm>
-          <a:prstGeom prst="rect">
-            <a:avLst/>
-          </a:prstGeom>
-        </p:spPr>
-        <p:txBody>
-          <a:bodyPr spcFirstLastPara="1" wrap="square" lIns="91425" tIns="91425" rIns="91425" bIns="91425" anchor="t" anchorCtr="0">
-            <a:noAutofit/>
-          </a:bodyPr>
-          <a:lstStyle/>
-          <a:p>
-            <a:pPr marL="0" lvl="0" indent="0" rtl="0">
-              <a:spcBef>
-                <a:spcPts val="0"/>
-              </a:spcBef>
-              <a:spcAft>
-                <a:spcPts val="1000"/>
-              </a:spcAft>
-              <a:buNone/>
-            </a:pPr>
-            <a:endParaRPr lang="es-MX" dirty="0"/>
-          </a:p>
-        </p:txBody>
-      </p:sp>
-      <p:sp>
-        <p:nvSpPr>
-          <p:cNvPr id="223" name="Google Shape;223;p14"/>
-          <p:cNvSpPr txBox="1">
-            <a:spLocks noGrp="1"/>
-          </p:cNvSpPr>
-          <p:nvPr>
-            <p:ph type="sldNum" idx="12"/>
-          </p:nvPr>
-        </p:nvSpPr>
-        <p:spPr>
-          <a:xfrm>
-            <a:off x="7618000" y="4636500"/>
-            <a:ext cx="1487400" cy="315600"/>
-          </a:xfrm>
-          <a:prstGeom prst="rect">
-            <a:avLst/>
-          </a:prstGeom>
-        </p:spPr>
-        <p:txBody>
-          <a:bodyPr spcFirstLastPara="1" wrap="square" lIns="91425" tIns="91425" rIns="91425" bIns="91425" anchor="ctr" anchorCtr="0">
-            <a:noAutofit/>
-          </a:bodyPr>
-          <a:lstStyle/>
-          <a:p>
-            <a:pPr marL="0" lvl="0" indent="0">
-              <a:spcBef>
-                <a:spcPts val="0"/>
-              </a:spcBef>
-              <a:spcAft>
-                <a:spcPts val="0"/>
-              </a:spcAft>
-              <a:buNone/>
-            </a:pPr>
-            <a:fld id="{00000000-1234-1234-1234-123412341234}" type="slidenum">
-              <a:rPr lang="en"/>
-              <a:t>2</a:t>
-            </a:fld>
-            <a:endParaRPr/>
-          </a:p>
-        </p:txBody>
-      </p:sp>
-      <p:sp>
-        <p:nvSpPr>
-          <p:cNvPr id="224" name="Google Shape;224;p14"/>
-          <p:cNvSpPr txBox="1"/>
-          <p:nvPr/>
-        </p:nvSpPr>
-        <p:spPr>
-          <a:xfrm>
-            <a:off x="463525" y="0"/>
-            <a:ext cx="2181600" cy="3136200"/>
-          </a:xfrm>
-          <a:prstGeom prst="rect">
-            <a:avLst/>
-          </a:prstGeom>
-          <a:noFill/>
-          <a:ln>
-            <a:noFill/>
-          </a:ln>
-        </p:spPr>
-        <p:txBody>
-          <a:bodyPr spcFirstLastPara="1" wrap="square" lIns="91425" tIns="91425" rIns="91425" bIns="91425" anchor="b" anchorCtr="0">
-            <a:noAutofit/>
-          </a:bodyPr>
-          <a:lstStyle/>
-          <a:p>
-            <a:pPr marL="0" lvl="0" indent="0">
-              <a:spcBef>
-                <a:spcPts val="0"/>
-              </a:spcBef>
-              <a:spcAft>
-                <a:spcPts val="0"/>
-              </a:spcAft>
-              <a:buNone/>
-            </a:pPr>
-            <a:r>
-              <a:rPr lang="en" sz="12000" b="1" dirty="0" smtClean="0">
-                <a:solidFill>
-                  <a:srgbClr val="3F5378"/>
-                </a:solidFill>
-                <a:latin typeface="Roboto Condensed"/>
-                <a:ea typeface="Roboto Condensed"/>
-                <a:cs typeface="Roboto Condensed"/>
-                <a:sym typeface="Roboto Condensed"/>
-              </a:rPr>
-              <a:t>0</a:t>
-            </a:r>
-            <a:endParaRPr sz="3000" b="1" dirty="0">
-              <a:solidFill>
-                <a:srgbClr val="3F5378"/>
-              </a:solidFill>
-              <a:latin typeface="Roboto Condensed"/>
-              <a:ea typeface="Roboto Condensed"/>
-              <a:cs typeface="Roboto Condensed"/>
-              <a:sym typeface="Roboto Condensed"/>
-            </a:endParaRPr>
-          </a:p>
-        </p:txBody>
-      </p:sp>
-    </p:spTree>
-    <p:extLst>
-      <p:ext uri="{BB962C8B-B14F-4D97-AF65-F5344CB8AC3E}">
-        <p14:creationId xmlns:p14="http://schemas.microsoft.com/office/powerpoint/2010/main" val="124962582"/>
-      </p:ext>
-    </p:extLst>
-  </p:cSld>
-  <p:clrMapOvr>
-    <a:masterClrMapping/>
-  </p:clrMapOvr>
-  <p:timing>
-    <p:tnLst>
-      <p:par>
-        <p:cTn id="1" dur="indefinite" restart="never" nodeType="tmRoot"/>
-      </p:par>
-    </p:tnLst>
-  </p:timing>
-</p:sld>
-</file>
-
-<file path=ppt/slides/slide20.xml><?xml version="1.0" encoding="utf-8"?>
-<p:sld xmlns:a="http://schemas.openxmlformats.org/drawingml/2006/main" xmlns:r="http://schemas.openxmlformats.org/officeDocument/2006/relationships" xmlns:p="http://schemas.openxmlformats.org/presentationml/2006/main">
-  <p:cSld>
-    <p:spTree>
-      <p:nvGrpSpPr>
-        <p:cNvPr id="1" name=""/>
-        <p:cNvGrpSpPr/>
-        <p:nvPr/>
-      </p:nvGrpSpPr>
-      <p:grpSpPr>
-        <a:xfrm>
-          <a:off x="0" y="0"/>
-          <a:ext cx="0" cy="0"/>
-          <a:chOff x="0" y="0"/>
-          <a:chExt cx="0" cy="0"/>
-        </a:xfrm>
-      </p:grpSpPr>
-      <p:sp>
-        <p:nvSpPr>
-          <p:cNvPr id="2" name="Título 1"/>
-          <p:cNvSpPr>
-            <a:spLocks noGrp="1"/>
-          </p:cNvSpPr>
-          <p:nvPr>
-            <p:ph type="title"/>
-          </p:nvPr>
-        </p:nvSpPr>
-        <p:spPr/>
-        <p:txBody>
-          <a:bodyPr/>
-          <a:lstStyle/>
-          <a:p>
-            <a:r>
-              <a:rPr lang="es-MX" dirty="0" err="1" smtClean="0"/>
-              <a:t>Left</a:t>
-            </a:r>
-            <a:r>
-              <a:rPr lang="es-MX" dirty="0" smtClean="0"/>
-              <a:t> </a:t>
-            </a:r>
-            <a:r>
-              <a:rPr lang="es-MX" dirty="0" err="1" smtClean="0"/>
-              <a:t>Outer</a:t>
-            </a:r>
-            <a:r>
-              <a:rPr lang="es-MX" dirty="0" smtClean="0"/>
-              <a:t> </a:t>
-            </a:r>
-            <a:r>
-              <a:rPr lang="es-MX" dirty="0" err="1" smtClean="0"/>
-              <a:t>Join</a:t>
-            </a:r>
-            <a:endParaRPr lang="es-MX" dirty="0"/>
-          </a:p>
-        </p:txBody>
-      </p:sp>
-      <p:sp>
-        <p:nvSpPr>
-          <p:cNvPr id="4" name="Marcador de número de diapositiva 3"/>
-          <p:cNvSpPr>
-            <a:spLocks noGrp="1"/>
-          </p:cNvSpPr>
-          <p:nvPr>
-            <p:ph type="sldNum" idx="12"/>
-          </p:nvPr>
-        </p:nvSpPr>
-        <p:spPr/>
-        <p:txBody>
-          <a:bodyPr/>
-          <a:lstStyle/>
-          <a:p>
-            <a:pPr marL="0" lvl="0" indent="0">
-              <a:spcBef>
-                <a:spcPts val="0"/>
-              </a:spcBef>
-              <a:spcAft>
-                <a:spcPts val="0"/>
-              </a:spcAft>
-              <a:buNone/>
-            </a:pPr>
-            <a:fld id="{00000000-1234-1234-1234-123412341234}" type="slidenum">
-              <a:rPr lang="es-MX" smtClean="0"/>
-              <a:t>20</a:t>
             </a:fld>
             <a:endParaRPr lang="es-MX"/>
           </a:p>
@@ -9683,10 +8525,17 @@
   <p:clrMapOvr>
     <a:masterClrMapping/>
   </p:clrMapOvr>
+  <p:timing>
+    <p:tnLst>
+      <p:par>
+        <p:cTn id="1" dur="indefinite" restart="never" nodeType="tmRoot"/>
+      </p:par>
+    </p:tnLst>
+  </p:timing>
 </p:sld>
 </file>
 
-<file path=ppt/slides/slide21.xml><?xml version="1.0" encoding="utf-8"?>
+<file path=ppt/slides/slide19.xml><?xml version="1.0" encoding="utf-8"?>
 <p:sld xmlns:a="http://schemas.openxmlformats.org/drawingml/2006/main" xmlns:r="http://schemas.openxmlformats.org/officeDocument/2006/relationships" xmlns:p="http://schemas.openxmlformats.org/presentationml/2006/main">
   <p:cSld>
     <p:spTree>
@@ -9768,7 +8617,7 @@
             </a:pPr>
             <a:fld id="{00000000-1234-1234-1234-123412341234}" type="slidenum">
               <a:rPr lang="es-MX" smtClean="0"/>
-              <a:t>21</a:t>
+              <a:t>19</a:t>
             </a:fld>
             <a:endParaRPr lang="es-MX"/>
           </a:p>
@@ -10040,6 +8889,538 @@
 </p:sld>
 </file>
 
+<file path=ppt/slides/slide2.xml><?xml version="1.0" encoding="utf-8"?>
+<p:sld xmlns:a="http://schemas.openxmlformats.org/drawingml/2006/main" xmlns:r="http://schemas.openxmlformats.org/officeDocument/2006/relationships" xmlns:p="http://schemas.openxmlformats.org/presentationml/2006/main">
+  <p:cSld>
+    <p:spTree>
+      <p:nvGrpSpPr>
+        <p:cNvPr id="1" name="Shape 220"/>
+        <p:cNvGrpSpPr/>
+        <p:nvPr/>
+      </p:nvGrpSpPr>
+      <p:grpSpPr>
+        <a:xfrm>
+          <a:off x="0" y="0"/>
+          <a:ext cx="0" cy="0"/>
+          <a:chOff x="0" y="0"/>
+          <a:chExt cx="0" cy="0"/>
+        </a:xfrm>
+      </p:grpSpPr>
+      <p:sp>
+        <p:nvSpPr>
+          <p:cNvPr id="221" name="Google Shape;221;p14"/>
+          <p:cNvSpPr txBox="1">
+            <a:spLocks noGrp="1"/>
+          </p:cNvSpPr>
+          <p:nvPr>
+            <p:ph type="ctrTitle"/>
+          </p:nvPr>
+        </p:nvSpPr>
+        <p:spPr>
+          <a:xfrm>
+            <a:off x="463525" y="2871148"/>
+            <a:ext cx="4094400" cy="1159800"/>
+          </a:xfrm>
+          <a:prstGeom prst="rect">
+            <a:avLst/>
+          </a:prstGeom>
+        </p:spPr>
+        <p:txBody>
+          <a:bodyPr spcFirstLastPara="1" wrap="square" lIns="91425" tIns="91425" rIns="91425" bIns="91425" anchor="b" anchorCtr="0">
+            <a:noAutofit/>
+          </a:bodyPr>
+          <a:lstStyle/>
+          <a:p>
+            <a:pPr marL="0" lvl="0" indent="0" rtl="0">
+              <a:spcBef>
+                <a:spcPts val="0"/>
+              </a:spcBef>
+              <a:spcAft>
+                <a:spcPts val="0"/>
+              </a:spcAft>
+              <a:buNone/>
+            </a:pPr>
+            <a:r>
+              <a:rPr lang="es-MX" dirty="0" smtClean="0"/>
+              <a:t>Anuncios parroquiales</a:t>
+            </a:r>
+            <a:endParaRPr lang="es-MX" dirty="0"/>
+          </a:p>
+        </p:txBody>
+      </p:sp>
+      <p:sp>
+        <p:nvSpPr>
+          <p:cNvPr id="222" name="Google Shape;222;p14"/>
+          <p:cNvSpPr txBox="1">
+            <a:spLocks noGrp="1"/>
+          </p:cNvSpPr>
+          <p:nvPr>
+            <p:ph type="subTitle" idx="1"/>
+          </p:nvPr>
+        </p:nvSpPr>
+        <p:spPr>
+          <a:xfrm>
+            <a:off x="463525" y="3975449"/>
+            <a:ext cx="4094400" cy="784800"/>
+          </a:xfrm>
+          <a:prstGeom prst="rect">
+            <a:avLst/>
+          </a:prstGeom>
+        </p:spPr>
+        <p:txBody>
+          <a:bodyPr spcFirstLastPara="1" wrap="square" lIns="91425" tIns="91425" rIns="91425" bIns="91425" anchor="t" anchorCtr="0">
+            <a:noAutofit/>
+          </a:bodyPr>
+          <a:lstStyle/>
+          <a:p>
+            <a:pPr marL="0" lvl="0" indent="0" rtl="0">
+              <a:spcBef>
+                <a:spcPts val="0"/>
+              </a:spcBef>
+              <a:spcAft>
+                <a:spcPts val="1000"/>
+              </a:spcAft>
+              <a:buNone/>
+            </a:pPr>
+            <a:endParaRPr lang="es-MX" dirty="0"/>
+          </a:p>
+        </p:txBody>
+      </p:sp>
+      <p:sp>
+        <p:nvSpPr>
+          <p:cNvPr id="223" name="Google Shape;223;p14"/>
+          <p:cNvSpPr txBox="1">
+            <a:spLocks noGrp="1"/>
+          </p:cNvSpPr>
+          <p:nvPr>
+            <p:ph type="sldNum" idx="12"/>
+          </p:nvPr>
+        </p:nvSpPr>
+        <p:spPr>
+          <a:xfrm>
+            <a:off x="7618000" y="4636500"/>
+            <a:ext cx="1487400" cy="315600"/>
+          </a:xfrm>
+          <a:prstGeom prst="rect">
+            <a:avLst/>
+          </a:prstGeom>
+        </p:spPr>
+        <p:txBody>
+          <a:bodyPr spcFirstLastPara="1" wrap="square" lIns="91425" tIns="91425" rIns="91425" bIns="91425" anchor="ctr" anchorCtr="0">
+            <a:noAutofit/>
+          </a:bodyPr>
+          <a:lstStyle/>
+          <a:p>
+            <a:pPr marL="0" lvl="0" indent="0">
+              <a:spcBef>
+                <a:spcPts val="0"/>
+              </a:spcBef>
+              <a:spcAft>
+                <a:spcPts val="0"/>
+              </a:spcAft>
+              <a:buNone/>
+            </a:pPr>
+            <a:fld id="{00000000-1234-1234-1234-123412341234}" type="slidenum">
+              <a:rPr lang="en"/>
+              <a:t>2</a:t>
+            </a:fld>
+            <a:endParaRPr/>
+          </a:p>
+        </p:txBody>
+      </p:sp>
+      <p:sp>
+        <p:nvSpPr>
+          <p:cNvPr id="224" name="Google Shape;224;p14"/>
+          <p:cNvSpPr txBox="1"/>
+          <p:nvPr/>
+        </p:nvSpPr>
+        <p:spPr>
+          <a:xfrm>
+            <a:off x="463525" y="0"/>
+            <a:ext cx="2181600" cy="3136200"/>
+          </a:xfrm>
+          <a:prstGeom prst="rect">
+            <a:avLst/>
+          </a:prstGeom>
+          <a:noFill/>
+          <a:ln>
+            <a:noFill/>
+          </a:ln>
+        </p:spPr>
+        <p:txBody>
+          <a:bodyPr spcFirstLastPara="1" wrap="square" lIns="91425" tIns="91425" rIns="91425" bIns="91425" anchor="b" anchorCtr="0">
+            <a:noAutofit/>
+          </a:bodyPr>
+          <a:lstStyle/>
+          <a:p>
+            <a:pPr marL="0" lvl="0" indent="0">
+              <a:spcBef>
+                <a:spcPts val="0"/>
+              </a:spcBef>
+              <a:spcAft>
+                <a:spcPts val="0"/>
+              </a:spcAft>
+              <a:buNone/>
+            </a:pPr>
+            <a:r>
+              <a:rPr lang="en" sz="12000" b="1" dirty="0" smtClean="0">
+                <a:solidFill>
+                  <a:srgbClr val="3F5378"/>
+                </a:solidFill>
+                <a:latin typeface="Roboto Condensed"/>
+                <a:ea typeface="Roboto Condensed"/>
+                <a:cs typeface="Roboto Condensed"/>
+                <a:sym typeface="Roboto Condensed"/>
+              </a:rPr>
+              <a:t>0</a:t>
+            </a:r>
+            <a:endParaRPr sz="3000" b="1" dirty="0">
+              <a:solidFill>
+                <a:srgbClr val="3F5378"/>
+              </a:solidFill>
+              <a:latin typeface="Roboto Condensed"/>
+              <a:ea typeface="Roboto Condensed"/>
+              <a:cs typeface="Roboto Condensed"/>
+              <a:sym typeface="Roboto Condensed"/>
+            </a:endParaRPr>
+          </a:p>
+        </p:txBody>
+      </p:sp>
+    </p:spTree>
+    <p:extLst>
+      <p:ext uri="{BB962C8B-B14F-4D97-AF65-F5344CB8AC3E}">
+        <p14:creationId xmlns:p14="http://schemas.microsoft.com/office/powerpoint/2010/main" val="124962582"/>
+      </p:ext>
+    </p:extLst>
+  </p:cSld>
+  <p:clrMapOvr>
+    <a:masterClrMapping/>
+  </p:clrMapOvr>
+  <p:timing>
+    <p:tnLst>
+      <p:par>
+        <p:cTn id="1" dur="indefinite" restart="never" nodeType="tmRoot"/>
+      </p:par>
+    </p:tnLst>
+  </p:timing>
+</p:sld>
+</file>
+
+<file path=ppt/slides/slide20.xml><?xml version="1.0" encoding="utf-8"?>
+<p:sld xmlns:a="http://schemas.openxmlformats.org/drawingml/2006/main" xmlns:r="http://schemas.openxmlformats.org/officeDocument/2006/relationships" xmlns:p="http://schemas.openxmlformats.org/presentationml/2006/main">
+  <p:cSld>
+    <p:spTree>
+      <p:nvGrpSpPr>
+        <p:cNvPr id="1" name=""/>
+        <p:cNvGrpSpPr/>
+        <p:nvPr/>
+      </p:nvGrpSpPr>
+      <p:grpSpPr>
+        <a:xfrm>
+          <a:off x="0" y="0"/>
+          <a:ext cx="0" cy="0"/>
+          <a:chOff x="0" y="0"/>
+          <a:chExt cx="0" cy="0"/>
+        </a:xfrm>
+      </p:grpSpPr>
+      <p:sp>
+        <p:nvSpPr>
+          <p:cNvPr id="5" name="Título 4"/>
+          <p:cNvSpPr>
+            <a:spLocks noGrp="1"/>
+          </p:cNvSpPr>
+          <p:nvPr>
+            <p:ph type="title"/>
+          </p:nvPr>
+        </p:nvSpPr>
+        <p:spPr/>
+        <p:txBody>
+          <a:bodyPr/>
+          <a:lstStyle/>
+          <a:p>
+            <a:endParaRPr lang="es-MX"/>
+          </a:p>
+        </p:txBody>
+      </p:sp>
+      <p:sp>
+        <p:nvSpPr>
+          <p:cNvPr id="6" name="Marcador de texto 5"/>
+          <p:cNvSpPr>
+            <a:spLocks noGrp="1"/>
+          </p:cNvSpPr>
+          <p:nvPr>
+            <p:ph type="body" idx="1"/>
+          </p:nvPr>
+        </p:nvSpPr>
+        <p:spPr/>
+        <p:txBody>
+          <a:bodyPr/>
+          <a:lstStyle/>
+          <a:p>
+            <a:endParaRPr lang="es-MX"/>
+          </a:p>
+        </p:txBody>
+      </p:sp>
+      <p:sp>
+        <p:nvSpPr>
+          <p:cNvPr id="4" name="Marcador de número de diapositiva 3"/>
+          <p:cNvSpPr>
+            <a:spLocks noGrp="1"/>
+          </p:cNvSpPr>
+          <p:nvPr>
+            <p:ph type="sldNum" idx="12"/>
+          </p:nvPr>
+        </p:nvSpPr>
+        <p:spPr/>
+        <p:txBody>
+          <a:bodyPr/>
+          <a:lstStyle/>
+          <a:p>
+            <a:pPr marL="0" lvl="0" indent="0">
+              <a:spcBef>
+                <a:spcPts val="0"/>
+              </a:spcBef>
+              <a:spcAft>
+                <a:spcPts val="0"/>
+              </a:spcAft>
+              <a:buNone/>
+            </a:pPr>
+            <a:fld id="{00000000-1234-1234-1234-123412341234}" type="slidenum">
+              <a:rPr lang="es-MX" smtClean="0"/>
+              <a:t>20</a:t>
+            </a:fld>
+            <a:endParaRPr lang="es-MX"/>
+          </a:p>
+        </p:txBody>
+      </p:sp>
+      <p:sp>
+        <p:nvSpPr>
+          <p:cNvPr id="7" name="Rectángulo 6"/>
+          <p:cNvSpPr/>
+          <p:nvPr/>
+        </p:nvSpPr>
+        <p:spPr>
+          <a:xfrm>
+            <a:off x="1271704" y="1719916"/>
+            <a:ext cx="5971577" cy="2585323"/>
+          </a:xfrm>
+          <a:prstGeom prst="rect">
+            <a:avLst/>
+          </a:prstGeom>
+          <a:noFill/>
+        </p:spPr>
+        <p:txBody>
+          <a:bodyPr wrap="square" lIns="91440" tIns="45720" rIns="91440" bIns="45720">
+            <a:spAutoFit/>
+          </a:bodyPr>
+          <a:lstStyle/>
+          <a:p>
+            <a:pPr algn="ctr"/>
+            <a:r>
+              <a:rPr lang="es-ES" sz="5400" b="1" dirty="0" smtClean="0">
+                <a:ln w="13462">
+                  <a:solidFill>
+                    <a:schemeClr val="bg1"/>
+                  </a:solidFill>
+                  <a:prstDash val="solid"/>
+                </a:ln>
+                <a:solidFill>
+                  <a:schemeClr val="tx1">
+                    <a:lumMod val="85000"/>
+                    <a:lumOff val="15000"/>
+                  </a:schemeClr>
+                </a:solidFill>
+                <a:effectLst>
+                  <a:outerShdw dist="38100" dir="2700000" algn="bl" rotWithShape="0">
+                    <a:schemeClr val="accent5"/>
+                  </a:outerShdw>
+                </a:effectLst>
+              </a:rPr>
+              <a:t>Terminamos </a:t>
+            </a:r>
+            <a:r>
+              <a:rPr lang="es-ES" sz="5400" b="1" dirty="0">
+                <a:ln w="13462">
+                  <a:solidFill>
+                    <a:schemeClr val="bg1"/>
+                  </a:solidFill>
+                  <a:prstDash val="solid"/>
+                </a:ln>
+                <a:solidFill>
+                  <a:schemeClr val="tx1">
+                    <a:lumMod val="85000"/>
+                    <a:lumOff val="15000"/>
+                  </a:schemeClr>
+                </a:solidFill>
+                <a:effectLst>
+                  <a:outerShdw dist="38100" dir="2700000" algn="bl" rotWithShape="0">
+                    <a:schemeClr val="accent5"/>
+                  </a:outerShdw>
+                </a:effectLst>
+              </a:rPr>
+              <a:t>Á</a:t>
+            </a:r>
+            <a:r>
+              <a:rPr lang="es-ES" sz="5400" b="1" dirty="0" smtClean="0">
+                <a:ln w="13462">
+                  <a:solidFill>
+                    <a:schemeClr val="bg1"/>
+                  </a:solidFill>
+                  <a:prstDash val="solid"/>
+                </a:ln>
+                <a:solidFill>
+                  <a:schemeClr val="tx1">
+                    <a:lumMod val="85000"/>
+                    <a:lumOff val="15000"/>
+                  </a:schemeClr>
+                </a:solidFill>
+                <a:effectLst>
+                  <a:outerShdw dist="38100" dir="2700000" algn="bl" rotWithShape="0">
+                    <a:schemeClr val="accent5"/>
+                  </a:outerShdw>
+                </a:effectLst>
+              </a:rPr>
+              <a:t>lgebra Relacional!</a:t>
+            </a:r>
+            <a:endParaRPr lang="es-ES" sz="5400" b="1" dirty="0">
+              <a:ln w="13462">
+                <a:solidFill>
+                  <a:schemeClr val="bg1"/>
+                </a:solidFill>
+                <a:prstDash val="solid"/>
+              </a:ln>
+              <a:solidFill>
+                <a:schemeClr val="tx1">
+                  <a:lumMod val="85000"/>
+                  <a:lumOff val="15000"/>
+                </a:schemeClr>
+              </a:solidFill>
+              <a:effectLst>
+                <a:outerShdw dist="38100" dir="2700000" algn="bl" rotWithShape="0">
+                  <a:schemeClr val="accent5"/>
+                </a:outerShdw>
+              </a:effectLst>
+            </a:endParaRPr>
+          </a:p>
+        </p:txBody>
+      </p:sp>
+    </p:spTree>
+    <p:extLst>
+      <p:ext uri="{BB962C8B-B14F-4D97-AF65-F5344CB8AC3E}">
+        <p14:creationId xmlns:p14="http://schemas.microsoft.com/office/powerpoint/2010/main" val="1998563465"/>
+      </p:ext>
+    </p:extLst>
+  </p:cSld>
+  <p:clrMapOvr>
+    <a:masterClrMapping/>
+  </p:clrMapOvr>
+</p:sld>
+</file>
+
+<file path=ppt/slides/slide21.xml><?xml version="1.0" encoding="utf-8"?>
+<p:sld xmlns:a="http://schemas.openxmlformats.org/drawingml/2006/main" xmlns:r="http://schemas.openxmlformats.org/officeDocument/2006/relationships" xmlns:p="http://schemas.openxmlformats.org/presentationml/2006/main">
+  <p:cSld>
+    <p:spTree>
+      <p:nvGrpSpPr>
+        <p:cNvPr id="1" name=""/>
+        <p:cNvGrpSpPr/>
+        <p:nvPr/>
+      </p:nvGrpSpPr>
+      <p:grpSpPr>
+        <a:xfrm>
+          <a:off x="0" y="0"/>
+          <a:ext cx="0" cy="0"/>
+          <a:chOff x="0" y="0"/>
+          <a:chExt cx="0" cy="0"/>
+        </a:xfrm>
+      </p:grpSpPr>
+      <p:sp>
+        <p:nvSpPr>
+          <p:cNvPr id="5" name="Título 4"/>
+          <p:cNvSpPr>
+            <a:spLocks noGrp="1"/>
+          </p:cNvSpPr>
+          <p:nvPr>
+            <p:ph type="ctrTitle"/>
+          </p:nvPr>
+        </p:nvSpPr>
+        <p:spPr/>
+        <p:txBody>
+          <a:bodyPr/>
+          <a:lstStyle/>
+          <a:p>
+            <a:r>
+              <a:rPr lang="es-MX" dirty="0" smtClean="0"/>
+              <a:t>SQL</a:t>
+            </a:r>
+            <a:endParaRPr lang="es-MX" dirty="0"/>
+          </a:p>
+        </p:txBody>
+      </p:sp>
+      <p:sp>
+        <p:nvSpPr>
+          <p:cNvPr id="6" name="Subtítulo 5"/>
+          <p:cNvSpPr>
+            <a:spLocks noGrp="1"/>
+          </p:cNvSpPr>
+          <p:nvPr>
+            <p:ph type="subTitle" idx="1"/>
+          </p:nvPr>
+        </p:nvSpPr>
+        <p:spPr/>
+        <p:txBody>
+          <a:bodyPr/>
+          <a:lstStyle/>
+          <a:p>
+            <a:endParaRPr lang="es-MX"/>
+          </a:p>
+        </p:txBody>
+      </p:sp>
+      <p:sp>
+        <p:nvSpPr>
+          <p:cNvPr id="4" name="Marcador de número de diapositiva 3"/>
+          <p:cNvSpPr>
+            <a:spLocks noGrp="1"/>
+          </p:cNvSpPr>
+          <p:nvPr>
+            <p:ph type="sldNum" idx="12"/>
+          </p:nvPr>
+        </p:nvSpPr>
+        <p:spPr/>
+        <p:txBody>
+          <a:bodyPr/>
+          <a:lstStyle/>
+          <a:p>
+            <a:pPr marL="0" lvl="0" indent="0">
+              <a:spcBef>
+                <a:spcPts val="0"/>
+              </a:spcBef>
+              <a:spcAft>
+                <a:spcPts val="0"/>
+              </a:spcAft>
+              <a:buNone/>
+            </a:pPr>
+            <a:fld id="{00000000-1234-1234-1234-123412341234}" type="slidenum">
+              <a:rPr lang="es-MX" smtClean="0"/>
+              <a:t>21</a:t>
+            </a:fld>
+            <a:endParaRPr lang="es-MX"/>
+          </a:p>
+        </p:txBody>
+      </p:sp>
+    </p:spTree>
+    <p:extLst>
+      <p:ext uri="{BB962C8B-B14F-4D97-AF65-F5344CB8AC3E}">
+        <p14:creationId xmlns:p14="http://schemas.microsoft.com/office/powerpoint/2010/main" val="2705519751"/>
+      </p:ext>
+    </p:extLst>
+  </p:cSld>
+  <p:clrMapOvr>
+    <a:masterClrMapping/>
+  </p:clrMapOvr>
+</p:sld>
+</file>
+
 <file path=ppt/slides/slide22.xml><?xml version="1.0" encoding="utf-8"?>
 <p:sld xmlns:a="http://schemas.openxmlformats.org/drawingml/2006/main" xmlns:r="http://schemas.openxmlformats.org/officeDocument/2006/relationships" xmlns:p="http://schemas.openxmlformats.org/presentationml/2006/main">
   <p:cSld>
@@ -10074,19 +9455,61 @@
           <a:p>
             <a:r>
               <a:rPr lang="es-MX" dirty="0" smtClean="0"/>
-              <a:t>Full </a:t>
-            </a:r>
+              <a:t/>
+            </a:r>
+            <a:br>
+              <a:rPr lang="es-MX" dirty="0" smtClean="0"/>
+            </a:br>
+            <a:r>
+              <a:rPr lang="es-MX" dirty="0" smtClean="0"/>
+              <a:t>SELECT</a:t>
+            </a:r>
+            <a:endParaRPr lang="es-MX" dirty="0"/>
+          </a:p>
+        </p:txBody>
+      </p:sp>
+      <p:sp>
+        <p:nvSpPr>
+          <p:cNvPr id="3" name="Marcador de texto 2"/>
+          <p:cNvSpPr>
+            <a:spLocks noGrp="1"/>
+          </p:cNvSpPr>
+          <p:nvPr>
+            <p:ph type="body" idx="1"/>
+          </p:nvPr>
+        </p:nvSpPr>
+        <p:spPr/>
+        <p:txBody>
+          <a:bodyPr/>
+          <a:lstStyle/>
+          <a:p>
             <a:r>
               <a:rPr lang="es-MX" dirty="0" err="1" smtClean="0"/>
-              <a:t>Outer</a:t>
+              <a:t>Select</a:t>
             </a:r>
             <a:r>
               <a:rPr lang="es-MX" dirty="0" smtClean="0"/>
-              <a:t> </a:t>
-            </a:r>
+              <a:t> A1, A2, A3, ….., AN</a:t>
+            </a:r>
+          </a:p>
+          <a:p>
             <a:r>
               <a:rPr lang="es-MX" dirty="0" err="1" smtClean="0"/>
-              <a:t>Join</a:t>
+              <a:t>From</a:t>
+            </a:r>
+            <a:r>
+              <a:rPr lang="es-MX" dirty="0" smtClean="0"/>
+              <a:t> R1</a:t>
+            </a:r>
+          </a:p>
+          <a:p>
+            <a:r>
+              <a:rPr lang="es-MX" dirty="0" smtClean="0"/>
+              <a:t>WHERE </a:t>
+            </a:r>
+            <a:r>
+              <a:rPr lang="es-MX" dirty="0" err="1" smtClean="0"/>
+              <a:t>Condition</a:t>
             </a:r>
             <a:endParaRPr lang="es-MX" dirty="0"/>
           </a:p>
@@ -10126,353 +9549,174 @@
       </p:sp>
       <p:sp>
         <p:nvSpPr>
-          <p:cNvPr id="5" name="Rectangle 1"/>
-          <p:cNvSpPr>
-            <a:spLocks noGrp="1" noChangeArrowheads="1"/>
-          </p:cNvSpPr>
-          <p:nvPr>
-            <p:ph type="body" idx="1"/>
-          </p:nvPr>
+          <p:cNvPr id="5" name="Rectángulo 4"/>
+          <p:cNvSpPr/>
+          <p:nvPr/>
         </p:nvSpPr>
-        <p:spPr bwMode="auto">
+        <p:spPr>
           <a:xfrm>
-            <a:off x="814275" y="1307646"/>
-            <a:ext cx="2559996" cy="1590017"/>
+            <a:off x="2197100" y="2324100"/>
+            <a:ext cx="2362200" cy="342900"/>
           </a:xfrm>
           <a:prstGeom prst="rect">
             <a:avLst/>
           </a:prstGeom>
           <a:solidFill>
-            <a:srgbClr val="F7FAFB"/>
+            <a:srgbClr val="FF0000">
+              <a:alpha val="27059"/>
+            </a:srgbClr>
           </a:solidFill>
-          <a:ln>
-            <a:noFill/>
-          </a:ln>
-          <a:effectLst/>
-          <a:extLst>
-            <a:ext uri="{91240B29-F687-4F45-9708-019B960494DF}">
-              <a14:hiddenLine xmlns:a14="http://schemas.microsoft.com/office/drawing/2010/main" w="9525">
-                <a:solidFill>
-                  <a:schemeClr val="tx1"/>
-                </a:solidFill>
-                <a:miter lim="800000"/>
-                <a:headEnd/>
-                <a:tailEnd/>
-              </a14:hiddenLine>
-            </a:ext>
-            <a:ext uri="{AF507438-7753-43E0-B8FC-AC1667EBCBE1}">
-              <a14:hiddenEffects xmlns:a14="http://schemas.microsoft.com/office/drawing/2010/main">
-                <a:effectLst>
-                  <a:outerShdw dist="35921" dir="2700000" algn="ctr" rotWithShape="0">
-                    <a:schemeClr val="bg2"/>
-                  </a:outerShdw>
-                </a:effectLst>
-              </a14:hiddenEffects>
-            </a:ext>
-          </a:extLst>
         </p:spPr>
+        <p:style>
+          <a:lnRef idx="2">
+            <a:schemeClr val="accent2">
+              <a:shade val="50000"/>
+            </a:schemeClr>
+          </a:lnRef>
+          <a:fillRef idx="1">
+            <a:schemeClr val="accent2"/>
+          </a:fillRef>
+          <a:effectRef idx="0">
+            <a:schemeClr val="accent2"/>
+          </a:effectRef>
+          <a:fontRef idx="minor">
+            <a:schemeClr val="lt1"/>
+          </a:fontRef>
+        </p:style>
         <p:txBody>
-          <a:bodyPr vert="horz" wrap="none" lIns="0" tIns="253920" rIns="0" bIns="253920" numCol="1" anchor="ctr" anchorCtr="0" compatLnSpc="1">
-            <a:prstTxWarp prst="textNoShape">
-              <a:avLst/>
-            </a:prstTxWarp>
-            <a:spAutoFit/>
-          </a:bodyPr>
+          <a:bodyPr rtlCol="0" anchor="ctr"/>
           <a:lstStyle/>
           <a:p>
-            <a:pPr marL="0" lvl="0" indent="0" defTabSz="914400" eaLnBrk="0" fontAlgn="base" latinLnBrk="0" hangingPunct="0">
-              <a:spcBef>
-                <a:spcPct val="0"/>
-              </a:spcBef>
-              <a:spcAft>
-                <a:spcPct val="0"/>
-              </a:spcAft>
-              <a:buClrTx/>
-              <a:buSzTx/>
-              <a:buNone/>
-              <a:tabLst/>
-            </a:pPr>
-            <a:r>
-              <a:rPr lang="es-MX" altLang="es-MX" sz="1400" dirty="0">
-                <a:solidFill>
-                  <a:srgbClr val="3A4145"/>
-                </a:solidFill>
-                <a:latin typeface="Inconsolata"/>
-              </a:rPr>
-              <a:t>SELECT * FROM </a:t>
-            </a:r>
-            <a:r>
-              <a:rPr lang="es-MX" altLang="es-MX" sz="1400" dirty="0" err="1">
-                <a:solidFill>
-                  <a:srgbClr val="3A4145"/>
-                </a:solidFill>
-                <a:latin typeface="Inconsolata"/>
-              </a:rPr>
-              <a:t>TableA</a:t>
-            </a:r>
-            <a:r>
-              <a:rPr lang="es-MX" altLang="es-MX" sz="1400" dirty="0">
-                <a:solidFill>
-                  <a:srgbClr val="3A4145"/>
-                </a:solidFill>
-                <a:latin typeface="Inconsolata"/>
-              </a:rPr>
-              <a:t> </a:t>
-            </a:r>
-            <a:endParaRPr lang="es-MX" altLang="es-MX" sz="1400" dirty="0" smtClean="0">
-              <a:solidFill>
-                <a:srgbClr val="3A4145"/>
-              </a:solidFill>
-              <a:latin typeface="Inconsolata"/>
-            </a:endParaRPr>
-          </a:p>
-          <a:p>
-            <a:pPr marL="0" lvl="0" indent="0" defTabSz="914400" eaLnBrk="0" fontAlgn="base" latinLnBrk="0" hangingPunct="0">
-              <a:spcBef>
-                <a:spcPct val="0"/>
-              </a:spcBef>
-              <a:spcAft>
-                <a:spcPct val="0"/>
-              </a:spcAft>
-              <a:buClrTx/>
-              <a:buSzTx/>
-              <a:buNone/>
-              <a:tabLst/>
-            </a:pPr>
-            <a:r>
-              <a:rPr lang="es-MX" altLang="es-MX" sz="1400" dirty="0" smtClean="0">
-                <a:solidFill>
-                  <a:srgbClr val="3A4145"/>
-                </a:solidFill>
-                <a:latin typeface="Inconsolata"/>
-              </a:rPr>
-              <a:t>FULL </a:t>
-            </a:r>
-            <a:r>
-              <a:rPr lang="es-MX" altLang="es-MX" sz="1400" dirty="0">
-                <a:solidFill>
-                  <a:srgbClr val="3A4145"/>
-                </a:solidFill>
-                <a:latin typeface="Inconsolata"/>
-              </a:rPr>
-              <a:t>OUTER JOIN </a:t>
-            </a:r>
-            <a:r>
-              <a:rPr lang="es-MX" altLang="es-MX" sz="1400" dirty="0" err="1">
-                <a:solidFill>
-                  <a:srgbClr val="3A4145"/>
-                </a:solidFill>
-                <a:latin typeface="Inconsolata"/>
-              </a:rPr>
-              <a:t>TableB</a:t>
-            </a:r>
-            <a:r>
-              <a:rPr lang="es-MX" altLang="es-MX" sz="1400" dirty="0">
-                <a:solidFill>
-                  <a:srgbClr val="3A4145"/>
-                </a:solidFill>
-                <a:latin typeface="Inconsolata"/>
-              </a:rPr>
-              <a:t> ON </a:t>
-            </a:r>
-            <a:endParaRPr lang="es-MX" altLang="es-MX" sz="1400" dirty="0" smtClean="0">
-              <a:solidFill>
-                <a:srgbClr val="3A4145"/>
-              </a:solidFill>
-              <a:latin typeface="Inconsolata"/>
-            </a:endParaRPr>
-          </a:p>
-          <a:p>
-            <a:pPr marL="0" lvl="0" indent="0" defTabSz="914400" eaLnBrk="0" fontAlgn="base" latinLnBrk="0" hangingPunct="0">
-              <a:spcBef>
-                <a:spcPct val="0"/>
-              </a:spcBef>
-              <a:spcAft>
-                <a:spcPct val="0"/>
-              </a:spcAft>
-              <a:buClrTx/>
-              <a:buSzTx/>
-              <a:buNone/>
-              <a:tabLst/>
-            </a:pPr>
-            <a:r>
-              <a:rPr lang="es-MX" altLang="es-MX" sz="1400" dirty="0" smtClean="0">
-                <a:solidFill>
-                  <a:srgbClr val="3A4145"/>
-                </a:solidFill>
-                <a:latin typeface="Inconsolata"/>
-              </a:rPr>
-              <a:t>TableA.name </a:t>
-            </a:r>
-            <a:r>
-              <a:rPr lang="es-MX" altLang="es-MX" sz="1400" dirty="0">
-                <a:solidFill>
-                  <a:srgbClr val="3A4145"/>
-                </a:solidFill>
-                <a:latin typeface="Inconsolata"/>
-              </a:rPr>
-              <a:t>= TableB.name </a:t>
-            </a:r>
-            <a:endParaRPr lang="es-MX" altLang="es-MX" sz="1400" dirty="0" smtClean="0">
-              <a:solidFill>
-                <a:srgbClr val="3A4145"/>
-              </a:solidFill>
-              <a:latin typeface="Inconsolata"/>
-            </a:endParaRPr>
-          </a:p>
-          <a:p>
-            <a:pPr marL="0" lvl="0" indent="0" defTabSz="914400" eaLnBrk="0" fontAlgn="base" latinLnBrk="0" hangingPunct="0">
-              <a:spcBef>
-                <a:spcPct val="0"/>
-              </a:spcBef>
-              <a:spcAft>
-                <a:spcPct val="0"/>
-              </a:spcAft>
-              <a:buClrTx/>
-              <a:buSzTx/>
-              <a:buNone/>
-              <a:tabLst/>
-            </a:pPr>
-            <a:r>
-              <a:rPr lang="es-MX" altLang="es-MX" sz="1400" dirty="0" smtClean="0">
-                <a:solidFill>
-                  <a:srgbClr val="3A4145"/>
-                </a:solidFill>
-                <a:latin typeface="Inconsolata"/>
-              </a:rPr>
-              <a:t>WHERE </a:t>
-            </a:r>
-            <a:r>
-              <a:rPr lang="es-MX" altLang="es-MX" sz="1400" dirty="0">
-                <a:solidFill>
-                  <a:srgbClr val="3A4145"/>
-                </a:solidFill>
-                <a:latin typeface="Inconsolata"/>
-              </a:rPr>
-              <a:t>TableA.id IS </a:t>
-            </a:r>
-            <a:r>
-              <a:rPr lang="es-MX" altLang="es-MX" sz="1400" dirty="0" err="1">
-                <a:solidFill>
-                  <a:srgbClr val="3A4145"/>
-                </a:solidFill>
-                <a:latin typeface="Inconsolata"/>
-              </a:rPr>
-              <a:t>null</a:t>
-            </a:r>
-            <a:r>
-              <a:rPr lang="es-MX" altLang="es-MX" sz="1400" dirty="0">
-                <a:solidFill>
-                  <a:srgbClr val="3A4145"/>
-                </a:solidFill>
-                <a:latin typeface="Inconsolata"/>
-              </a:rPr>
-              <a:t> </a:t>
-            </a:r>
-            <a:endParaRPr lang="es-MX" altLang="es-MX" sz="1400" dirty="0" smtClean="0">
-              <a:solidFill>
-                <a:srgbClr val="3A4145"/>
-              </a:solidFill>
-              <a:latin typeface="Inconsolata"/>
-            </a:endParaRPr>
-          </a:p>
-          <a:p>
-            <a:pPr marL="0" lvl="0" indent="0" defTabSz="914400" eaLnBrk="0" fontAlgn="base" latinLnBrk="0" hangingPunct="0">
-              <a:spcBef>
-                <a:spcPct val="0"/>
-              </a:spcBef>
-              <a:spcAft>
-                <a:spcPct val="0"/>
-              </a:spcAft>
-              <a:buClrTx/>
-              <a:buSzTx/>
-              <a:buNone/>
-              <a:tabLst/>
-            </a:pPr>
-            <a:r>
-              <a:rPr lang="es-MX" altLang="es-MX" sz="1400" dirty="0" smtClean="0">
-                <a:solidFill>
-                  <a:srgbClr val="3A4145"/>
-                </a:solidFill>
-                <a:latin typeface="Inconsolata"/>
-              </a:rPr>
-              <a:t>OR </a:t>
-            </a:r>
-            <a:r>
-              <a:rPr lang="es-MX" altLang="es-MX" sz="1400" dirty="0">
-                <a:solidFill>
-                  <a:srgbClr val="3A4145"/>
-                </a:solidFill>
-                <a:latin typeface="Inconsolata"/>
-              </a:rPr>
-              <a:t>TableB.id IS </a:t>
-            </a:r>
-            <a:r>
-              <a:rPr lang="es-MX" altLang="es-MX" sz="1400" dirty="0" err="1">
-                <a:solidFill>
-                  <a:srgbClr val="3A4145"/>
-                </a:solidFill>
-                <a:latin typeface="Inconsolata"/>
-              </a:rPr>
-              <a:t>null</a:t>
-            </a:r>
-            <a:r>
-              <a:rPr lang="es-MX" altLang="es-MX" sz="1400" dirty="0">
-                <a:solidFill>
-                  <a:srgbClr val="3A4145"/>
-                </a:solidFill>
-                <a:latin typeface="Inconsolata"/>
-              </a:rPr>
-              <a:t> </a:t>
-            </a:r>
+            <a:pPr algn="ctr"/>
+            <a:endParaRPr lang="es-MX"/>
           </a:p>
         </p:txBody>
       </p:sp>
-      <p:pic>
-        <p:nvPicPr>
-          <p:cNvPr id="7171" name="Picture 3" descr="join-outer.png"/>
-          <p:cNvPicPr>
-            <a:picLocks noChangeAspect="1" noChangeArrowheads="1"/>
-          </p:cNvPicPr>
+      <p:sp>
+        <p:nvSpPr>
+          <p:cNvPr id="6" name="CuadroTexto 5"/>
+          <p:cNvSpPr txBox="1"/>
           <p:nvPr/>
-        </p:nvPicPr>
-        <p:blipFill>
-          <a:blip r:embed="rId2">
-            <a:extLst>
-              <a:ext uri="{28A0092B-C50C-407E-A947-70E740481C1C}">
-                <a14:useLocalDpi xmlns:a14="http://schemas.microsoft.com/office/drawing/2010/main" val="0"/>
-              </a:ext>
-            </a:extLst>
-          </a:blip>
-          <a:srcRect/>
-          <a:stretch>
-            <a:fillRect/>
-          </a:stretch>
-        </p:blipFill>
-        <p:spPr bwMode="auto">
+        </p:nvSpPr>
+        <p:spPr>
           <a:xfrm>
-            <a:off x="4864872" y="1759598"/>
-            <a:ext cx="3473000" cy="2276130"/>
+            <a:off x="4559300" y="2324100"/>
+            <a:ext cx="1237839" cy="307777"/>
           </a:xfrm>
           <a:prstGeom prst="rect">
             <a:avLst/>
           </a:prstGeom>
           <a:noFill/>
-          <a:extLst>
-            <a:ext uri="{909E8E84-426E-40DD-AFC4-6F175D3DCCD1}">
-              <a14:hiddenFill xmlns:a14="http://schemas.microsoft.com/office/drawing/2010/main">
+        </p:spPr>
+        <p:txBody>
+          <a:bodyPr wrap="none" rtlCol="0">
+            <a:spAutoFit/>
+          </a:bodyPr>
+          <a:lstStyle/>
+          <a:p>
+            <a:r>
+              <a:rPr lang="es-MX" dirty="0" smtClean="0">
                 <a:solidFill>
-                  <a:srgbClr val="FFFFFF"/>
+                  <a:srgbClr val="FF0000"/>
                 </a:solidFill>
-              </a14:hiddenFill>
-            </a:ext>
-          </a:extLst>
+              </a:rPr>
+              <a:t>Que regresar</a:t>
+            </a:r>
+            <a:endParaRPr lang="es-MX" dirty="0">
+              <a:solidFill>
+                <a:srgbClr val="FF0000"/>
+              </a:solidFill>
+            </a:endParaRPr>
+          </a:p>
+        </p:txBody>
+      </p:sp>
+      <p:sp>
+        <p:nvSpPr>
+          <p:cNvPr id="7" name="Rectángulo 6"/>
+          <p:cNvSpPr/>
+          <p:nvPr/>
+        </p:nvSpPr>
+        <p:spPr>
+          <a:xfrm>
+            <a:off x="2057400" y="2755900"/>
+            <a:ext cx="323850" cy="342900"/>
+          </a:xfrm>
+          <a:prstGeom prst="rect">
+            <a:avLst/>
+          </a:prstGeom>
+          <a:solidFill>
+            <a:srgbClr val="FF0000">
+              <a:alpha val="27059"/>
+            </a:srgbClr>
+          </a:solidFill>
         </p:spPr>
-      </p:pic>
+        <p:style>
+          <a:lnRef idx="2">
+            <a:schemeClr val="accent2">
+              <a:shade val="50000"/>
+            </a:schemeClr>
+          </a:lnRef>
+          <a:fillRef idx="1">
+            <a:schemeClr val="accent2"/>
+          </a:fillRef>
+          <a:effectRef idx="0">
+            <a:schemeClr val="accent2"/>
+          </a:effectRef>
+          <a:fontRef idx="minor">
+            <a:schemeClr val="lt1"/>
+          </a:fontRef>
+        </p:style>
+        <p:txBody>
+          <a:bodyPr rtlCol="0" anchor="ctr"/>
+          <a:lstStyle/>
+          <a:p>
+            <a:pPr algn="ctr"/>
+            <a:endParaRPr lang="es-MX"/>
+          </a:p>
+        </p:txBody>
+      </p:sp>
+      <p:sp>
+        <p:nvSpPr>
+          <p:cNvPr id="8" name="CuadroTexto 7"/>
+          <p:cNvSpPr txBox="1"/>
+          <p:nvPr/>
+        </p:nvSpPr>
+        <p:spPr>
+          <a:xfrm>
+            <a:off x="2482850" y="2791023"/>
+            <a:ext cx="1388522" cy="307777"/>
+          </a:xfrm>
+          <a:prstGeom prst="rect">
+            <a:avLst/>
+          </a:prstGeom>
+          <a:noFill/>
+        </p:spPr>
+        <p:txBody>
+          <a:bodyPr wrap="none" rtlCol="0">
+            <a:spAutoFit/>
+          </a:bodyPr>
+          <a:lstStyle/>
+          <a:p>
+            <a:r>
+              <a:rPr lang="es-MX" dirty="0" smtClean="0">
+                <a:solidFill>
+                  <a:srgbClr val="FF0000"/>
+                </a:solidFill>
+              </a:rPr>
+              <a:t>Que relaciones</a:t>
+            </a:r>
+            <a:endParaRPr lang="es-MX" dirty="0">
+              <a:solidFill>
+                <a:srgbClr val="FF0000"/>
+              </a:solidFill>
+            </a:endParaRPr>
+          </a:p>
+        </p:txBody>
+      </p:sp>
     </p:spTree>
     <p:extLst>
       <p:ext uri="{BB962C8B-B14F-4D97-AF65-F5344CB8AC3E}">
-        <p14:creationId xmlns:p14="http://schemas.microsoft.com/office/powerpoint/2010/main" val="1241458397"/>
+        <p14:creationId xmlns:p14="http://schemas.microsoft.com/office/powerpoint/2010/main" val="2647420011"/>
       </p:ext>
     </p:extLst>
   </p:cSld>
@@ -10516,19 +9760,110 @@
           <a:p>
             <a:r>
               <a:rPr lang="es-MX" dirty="0" smtClean="0"/>
-              <a:t>Full </a:t>
+              <a:t>Patrones</a:t>
+            </a:r>
+            <a:endParaRPr lang="es-MX" dirty="0"/>
+          </a:p>
+        </p:txBody>
+      </p:sp>
+      <p:sp>
+        <p:nvSpPr>
+          <p:cNvPr id="3" name="Marcador de texto 2"/>
+          <p:cNvSpPr>
+            <a:spLocks noGrp="1"/>
+          </p:cNvSpPr>
+          <p:nvPr>
+            <p:ph type="body" idx="1"/>
+          </p:nvPr>
+        </p:nvSpPr>
+        <p:spPr/>
+        <p:txBody>
+          <a:bodyPr/>
+          <a:lstStyle/>
+          <a:p>
+            <a:r>
+              <a:rPr lang="es-MX" dirty="0" smtClean="0"/>
+              <a:t>Las instrucciones WHERE pueden tener condiciones donde la comparamos con un </a:t>
             </a:r>
             <a:r>
               <a:rPr lang="es-MX" dirty="0" err="1" smtClean="0"/>
-              <a:t>Outer</a:t>
+              <a:t>string</a:t>
             </a:r>
             <a:r>
               <a:rPr lang="es-MX" dirty="0" smtClean="0"/>
-              <a:t> </a:t>
+              <a:t>:</a:t>
+            </a:r>
+          </a:p>
+          <a:p>
+            <a:pPr lvl="1"/>
+            <a:r>
+              <a:rPr lang="es-MX" dirty="0" smtClean="0"/>
+              <a:t>&lt;</a:t>
             </a:r>
             <a:r>
               <a:rPr lang="es-MX" dirty="0" err="1" smtClean="0"/>
-              <a:t>Join</a:t>
+              <a:t>Attributo</a:t>
+            </a:r>
+            <a:r>
+              <a:rPr lang="es-MX" dirty="0" smtClean="0"/>
+              <a:t>&gt; LIKE &lt;</a:t>
+            </a:r>
+            <a:r>
+              <a:rPr lang="es-MX" dirty="0" err="1" smtClean="0"/>
+              <a:t>Patron</a:t>
+            </a:r>
+            <a:r>
+              <a:rPr lang="es-MX" dirty="0" smtClean="0"/>
+              <a:t>&gt; o</a:t>
+            </a:r>
+          </a:p>
+          <a:p>
+            <a:pPr lvl="1"/>
+            <a:r>
+              <a:rPr lang="es-MX" dirty="0"/>
+              <a:t>&lt;</a:t>
+            </a:r>
+            <a:r>
+              <a:rPr lang="es-MX" dirty="0" err="1"/>
+              <a:t>Attributo</a:t>
+            </a:r>
+            <a:r>
+              <a:rPr lang="es-MX" dirty="0"/>
+              <a:t>&gt; </a:t>
+            </a:r>
+            <a:r>
+              <a:rPr lang="es-MX" dirty="0" smtClean="0"/>
+              <a:t>NOT LIKE </a:t>
+            </a:r>
+            <a:r>
+              <a:rPr lang="es-MX" dirty="0"/>
+              <a:t>&lt;</a:t>
+            </a:r>
+            <a:r>
+              <a:rPr lang="es-MX" dirty="0" err="1"/>
+              <a:t>Patron</a:t>
+            </a:r>
+            <a:r>
+              <a:rPr lang="es-MX" dirty="0" smtClean="0"/>
+              <a:t>&gt;</a:t>
+            </a:r>
+          </a:p>
+          <a:p>
+            <a:r>
+              <a:rPr lang="es-MX" dirty="0" err="1" smtClean="0"/>
+              <a:t>Patron</a:t>
+            </a:r>
+            <a:r>
+              <a:rPr lang="es-MX" dirty="0" smtClean="0"/>
+              <a:t> es un </a:t>
+            </a:r>
+            <a:r>
+              <a:rPr lang="es-MX" dirty="0" err="1" smtClean="0"/>
+              <a:t>string</a:t>
+            </a:r>
+            <a:r>
+              <a:rPr lang="es-MX" dirty="0" smtClean="0"/>
+              <a:t>.</a:t>
             </a:r>
             <a:endParaRPr lang="es-MX" dirty="0"/>
           </a:p>
@@ -10566,389 +9901,10 @@
           </a:p>
         </p:txBody>
       </p:sp>
-      <p:graphicFrame>
-        <p:nvGraphicFramePr>
-          <p:cNvPr id="5" name="Tabla 4"/>
-          <p:cNvGraphicFramePr>
-            <a:graphicFrameLocks noGrp="1"/>
-          </p:cNvGraphicFramePr>
-          <p:nvPr>
-            <p:extLst>
-              <p:ext uri="{D42A27DB-BD31-4B8C-83A1-F6EECF244321}">
-                <p14:modId xmlns:p14="http://schemas.microsoft.com/office/powerpoint/2010/main" val="3819855660"/>
-              </p:ext>
-            </p:extLst>
-          </p:nvPr>
-        </p:nvGraphicFramePr>
-        <p:xfrm>
-          <a:off x="2578142" y="1938537"/>
-          <a:ext cx="3432240" cy="2087880"/>
-        </p:xfrm>
-        <a:graphic>
-          <a:graphicData uri="http://schemas.openxmlformats.org/drawingml/2006/table">
-            <a:tbl>
-              <a:tblPr firstRow="1" bandRow="1">
-                <a:tableStyleId>{69C7853C-536D-4A76-A0AE-DD22124D55A5}</a:tableStyleId>
-              </a:tblPr>
-              <a:tblGrid>
-                <a:gridCol w="858060">
-                  <a:extLst>
-                    <a:ext uri="{9D8B030D-6E8A-4147-A177-3AD203B41FA5}">
-                      <a16:colId xmlns:a16="http://schemas.microsoft.com/office/drawing/2014/main" val="2464280950"/>
-                    </a:ext>
-                  </a:extLst>
-                </a:gridCol>
-                <a:gridCol w="858060">
-                  <a:extLst>
-                    <a:ext uri="{9D8B030D-6E8A-4147-A177-3AD203B41FA5}">
-                      <a16:colId xmlns:a16="http://schemas.microsoft.com/office/drawing/2014/main" val="3605514935"/>
-                    </a:ext>
-                  </a:extLst>
-                </a:gridCol>
-                <a:gridCol w="858060">
-                  <a:extLst>
-                    <a:ext uri="{9D8B030D-6E8A-4147-A177-3AD203B41FA5}">
-                      <a16:colId xmlns:a16="http://schemas.microsoft.com/office/drawing/2014/main" val="3259286901"/>
-                    </a:ext>
-                  </a:extLst>
-                </a:gridCol>
-                <a:gridCol w="858060">
-                  <a:extLst>
-                    <a:ext uri="{9D8B030D-6E8A-4147-A177-3AD203B41FA5}">
-                      <a16:colId xmlns:a16="http://schemas.microsoft.com/office/drawing/2014/main" val="1017540606"/>
-                    </a:ext>
-                  </a:extLst>
-                </a:gridCol>
-              </a:tblGrid>
-              <a:tr h="370840">
-                <a:tc>
-                  <a:txBody>
-                    <a:bodyPr/>
-                    <a:lstStyle/>
-                    <a:p>
-                      <a:r>
-                        <a:rPr lang="es-MX" dirty="0" smtClean="0"/>
-                        <a:t>id</a:t>
-                      </a:r>
-                      <a:endParaRPr lang="es-MX" dirty="0"/>
-                    </a:p>
-                  </a:txBody>
-                  <a:tcPr/>
-                </a:tc>
-                <a:tc>
-                  <a:txBody>
-                    <a:bodyPr/>
-                    <a:lstStyle/>
-                    <a:p>
-                      <a:r>
-                        <a:rPr lang="es-MX" dirty="0" err="1" smtClean="0"/>
-                        <a:t>name</a:t>
-                      </a:r>
-                      <a:endParaRPr lang="es-MX" dirty="0"/>
-                    </a:p>
-                  </a:txBody>
-                  <a:tcPr/>
-                </a:tc>
-                <a:tc>
-                  <a:txBody>
-                    <a:bodyPr/>
-                    <a:lstStyle/>
-                    <a:p>
-                      <a:r>
-                        <a:rPr lang="es-MX" dirty="0" smtClean="0"/>
-                        <a:t>id</a:t>
-                      </a:r>
-                      <a:endParaRPr lang="es-MX" dirty="0"/>
-                    </a:p>
-                  </a:txBody>
-                  <a:tcPr/>
-                </a:tc>
-                <a:tc>
-                  <a:txBody>
-                    <a:bodyPr/>
-                    <a:lstStyle/>
-                    <a:p>
-                      <a:r>
-                        <a:rPr lang="es-MX" dirty="0" err="1" smtClean="0"/>
-                        <a:t>name</a:t>
-                      </a:r>
-                      <a:endParaRPr lang="es-MX" dirty="0"/>
-                    </a:p>
-                  </a:txBody>
-                  <a:tcPr/>
-                </a:tc>
-                <a:extLst>
-                  <a:ext uri="{0D108BD9-81ED-4DB2-BD59-A6C34878D82A}">
-                    <a16:rowId xmlns:a16="http://schemas.microsoft.com/office/drawing/2014/main" val="1951122558"/>
-                  </a:ext>
-                </a:extLst>
-              </a:tr>
-              <a:tr h="370840">
-                <a:tc>
-                  <a:txBody>
-                    <a:bodyPr/>
-                    <a:lstStyle/>
-                    <a:p>
-                      <a:r>
-                        <a:rPr lang="es-MX" dirty="0" smtClean="0"/>
-                        <a:t>2</a:t>
-                      </a:r>
-                      <a:endParaRPr lang="es-MX" dirty="0"/>
-                    </a:p>
-                  </a:txBody>
-                  <a:tcPr/>
-                </a:tc>
-                <a:tc>
-                  <a:txBody>
-                    <a:bodyPr/>
-                    <a:lstStyle/>
-                    <a:p>
-                      <a:pPr algn="ctr"/>
-                      <a:r>
-                        <a:rPr lang="es-MX" sz="1200" dirty="0" smtClean="0"/>
-                        <a:t>Gandalf</a:t>
-                      </a:r>
-                      <a:endParaRPr lang="es-MX" sz="1200" dirty="0"/>
-                    </a:p>
-                  </a:txBody>
-                  <a:tcPr/>
-                </a:tc>
-                <a:tc>
-                  <a:txBody>
-                    <a:bodyPr/>
-                    <a:lstStyle/>
-                    <a:p>
-                      <a:r>
-                        <a:rPr lang="es-MX" dirty="0" smtClean="0"/>
-                        <a:t>NULL</a:t>
-                      </a:r>
-                      <a:endParaRPr lang="es-MX" dirty="0"/>
-                    </a:p>
-                  </a:txBody>
-                  <a:tcPr/>
-                </a:tc>
-                <a:tc>
-                  <a:txBody>
-                    <a:bodyPr/>
-                    <a:lstStyle/>
-                    <a:p>
-                      <a:r>
-                        <a:rPr lang="es-MX" dirty="0" smtClean="0"/>
-                        <a:t>NULL</a:t>
-                      </a:r>
-                      <a:endParaRPr lang="es-MX" dirty="0"/>
-                    </a:p>
-                  </a:txBody>
-                  <a:tcPr/>
-                </a:tc>
-                <a:extLst>
-                  <a:ext uri="{0D108BD9-81ED-4DB2-BD59-A6C34878D82A}">
-                    <a16:rowId xmlns:a16="http://schemas.microsoft.com/office/drawing/2014/main" val="2626585721"/>
-                  </a:ext>
-                </a:extLst>
-              </a:tr>
-              <a:tr h="370840">
-                <a:tc>
-                  <a:txBody>
-                    <a:bodyPr/>
-                    <a:lstStyle/>
-                    <a:p>
-                      <a:r>
-                        <a:rPr lang="es-MX" dirty="0" smtClean="0"/>
-                        <a:t>3</a:t>
-                      </a:r>
-                      <a:endParaRPr lang="es-MX" dirty="0"/>
-                    </a:p>
-                  </a:txBody>
-                  <a:tcPr/>
-                </a:tc>
-                <a:tc>
-                  <a:txBody>
-                    <a:bodyPr/>
-                    <a:lstStyle/>
-                    <a:p>
-                      <a:pPr algn="ctr"/>
-                      <a:r>
-                        <a:rPr lang="es-MX" sz="1200" dirty="0" smtClean="0"/>
-                        <a:t>Harry</a:t>
-                      </a:r>
-                      <a:r>
-                        <a:rPr lang="es-MX" sz="1200" baseline="0" dirty="0" smtClean="0"/>
-                        <a:t> Potter</a:t>
-                      </a:r>
-                      <a:endParaRPr lang="es-MX" sz="1200" dirty="0"/>
-                    </a:p>
-                  </a:txBody>
-                  <a:tcPr/>
-                </a:tc>
-                <a:tc>
-                  <a:txBody>
-                    <a:bodyPr/>
-                    <a:lstStyle/>
-                    <a:p>
-                      <a:r>
-                        <a:rPr lang="es-MX" dirty="0" smtClean="0"/>
-                        <a:t>NULL</a:t>
-                      </a:r>
-                      <a:endParaRPr lang="es-MX" dirty="0"/>
-                    </a:p>
-                  </a:txBody>
-                  <a:tcPr/>
-                </a:tc>
-                <a:tc>
-                  <a:txBody>
-                    <a:bodyPr/>
-                    <a:lstStyle/>
-                    <a:p>
-                      <a:r>
-                        <a:rPr lang="es-MX" dirty="0" smtClean="0"/>
-                        <a:t>NULL</a:t>
-                      </a:r>
-                      <a:endParaRPr lang="es-MX" dirty="0"/>
-                    </a:p>
-                  </a:txBody>
-                  <a:tcPr/>
-                </a:tc>
-                <a:extLst>
-                  <a:ext uri="{0D108BD9-81ED-4DB2-BD59-A6C34878D82A}">
-                    <a16:rowId xmlns:a16="http://schemas.microsoft.com/office/drawing/2014/main" val="520813259"/>
-                  </a:ext>
-                </a:extLst>
-              </a:tr>
-              <a:tr h="370840">
-                <a:tc>
-                  <a:txBody>
-                    <a:bodyPr/>
-                    <a:lstStyle/>
-                    <a:p>
-                      <a:r>
-                        <a:rPr lang="es-MX" dirty="0" smtClean="0"/>
-                        <a:t>NULL</a:t>
-                      </a:r>
-                      <a:endParaRPr lang="es-MX" dirty="0"/>
-                    </a:p>
-                  </a:txBody>
-                  <a:tcPr/>
-                </a:tc>
-                <a:tc>
-                  <a:txBody>
-                    <a:bodyPr/>
-                    <a:lstStyle/>
-                    <a:p>
-                      <a:r>
-                        <a:rPr lang="es-MX" dirty="0" smtClean="0"/>
-                        <a:t>NULL</a:t>
-                      </a:r>
-                      <a:endParaRPr lang="es-MX" dirty="0"/>
-                    </a:p>
-                  </a:txBody>
-                  <a:tcPr/>
-                </a:tc>
-                <a:tc>
-                  <a:txBody>
-                    <a:bodyPr/>
-                    <a:lstStyle/>
-                    <a:p>
-                      <a:r>
-                        <a:rPr lang="es-MX" dirty="0" smtClean="0"/>
-                        <a:t>1</a:t>
-                      </a:r>
-                      <a:endParaRPr lang="es-MX" dirty="0"/>
-                    </a:p>
-                  </a:txBody>
-                  <a:tcPr/>
-                </a:tc>
-                <a:tc>
-                  <a:txBody>
-                    <a:bodyPr/>
-                    <a:lstStyle/>
-                    <a:p>
-                      <a:r>
-                        <a:rPr lang="es-MX" dirty="0" err="1" smtClean="0"/>
-                        <a:t>Kermit</a:t>
-                      </a:r>
-                      <a:endParaRPr lang="es-MX" dirty="0"/>
-                    </a:p>
-                  </a:txBody>
-                  <a:tcPr/>
-                </a:tc>
-                <a:extLst>
-                  <a:ext uri="{0D108BD9-81ED-4DB2-BD59-A6C34878D82A}">
-                    <a16:rowId xmlns:a16="http://schemas.microsoft.com/office/drawing/2014/main" val="617406921"/>
-                  </a:ext>
-                </a:extLst>
-              </a:tr>
-              <a:tr h="370840">
-                <a:tc>
-                  <a:txBody>
-                    <a:bodyPr/>
-                    <a:lstStyle/>
-                    <a:p>
-                      <a:r>
-                        <a:rPr lang="es-MX" dirty="0" smtClean="0"/>
-                        <a:t>NULL</a:t>
-                      </a:r>
-                      <a:endParaRPr lang="es-MX" dirty="0"/>
-                    </a:p>
-                  </a:txBody>
-                  <a:tcPr/>
-                </a:tc>
-                <a:tc>
-                  <a:txBody>
-                    <a:bodyPr/>
-                    <a:lstStyle/>
-                    <a:p>
-                      <a:r>
-                        <a:rPr lang="es-MX" dirty="0" smtClean="0"/>
-                        <a:t>NULL</a:t>
-                      </a:r>
-                      <a:endParaRPr lang="es-MX" dirty="0"/>
-                    </a:p>
-                  </a:txBody>
-                  <a:tcPr/>
-                </a:tc>
-                <a:tc>
-                  <a:txBody>
-                    <a:bodyPr/>
-                    <a:lstStyle/>
-                    <a:p>
-                      <a:r>
-                        <a:rPr lang="es-MX" dirty="0" smtClean="0"/>
-                        <a:t>4</a:t>
-                      </a:r>
-                      <a:endParaRPr lang="es-MX" dirty="0"/>
-                    </a:p>
-                  </a:txBody>
-                  <a:tcPr/>
-                </a:tc>
-                <a:tc>
-                  <a:txBody>
-                    <a:bodyPr/>
-                    <a:lstStyle/>
-                    <a:p>
-                      <a:r>
-                        <a:rPr lang="es-MX" dirty="0" smtClean="0"/>
-                        <a:t>Jon Snow</a:t>
-                      </a:r>
-                      <a:endParaRPr lang="es-MX" dirty="0"/>
-                    </a:p>
-                  </a:txBody>
-                  <a:tcPr/>
-                </a:tc>
-                <a:extLst>
-                  <a:ext uri="{0D108BD9-81ED-4DB2-BD59-A6C34878D82A}">
-                    <a16:rowId xmlns:a16="http://schemas.microsoft.com/office/drawing/2014/main" val="2750281499"/>
-                  </a:ext>
-                </a:extLst>
-              </a:tr>
-            </a:tbl>
-          </a:graphicData>
-        </a:graphic>
-      </p:graphicFrame>
     </p:spTree>
     <p:extLst>
       <p:ext uri="{BB962C8B-B14F-4D97-AF65-F5344CB8AC3E}">
-        <p14:creationId xmlns:p14="http://schemas.microsoft.com/office/powerpoint/2010/main" val="3598186760"/>
+        <p14:creationId xmlns:p14="http://schemas.microsoft.com/office/powerpoint/2010/main" val="2448771727"/>
       </p:ext>
     </p:extLst>
   </p:cSld>
@@ -10959,6 +9915,268 @@
 </file>
 
 <file path=ppt/slides/slide24.xml><?xml version="1.0" encoding="utf-8"?>
+<p:sld xmlns:a="http://schemas.openxmlformats.org/drawingml/2006/main" xmlns:r="http://schemas.openxmlformats.org/officeDocument/2006/relationships" xmlns:p="http://schemas.openxmlformats.org/presentationml/2006/main">
+  <p:cSld>
+    <p:spTree>
+      <p:nvGrpSpPr>
+        <p:cNvPr id="1" name=""/>
+        <p:cNvGrpSpPr/>
+        <p:nvPr/>
+      </p:nvGrpSpPr>
+      <p:grpSpPr>
+        <a:xfrm>
+          <a:off x="0" y="0"/>
+          <a:ext cx="0" cy="0"/>
+          <a:chOff x="0" y="0"/>
+          <a:chExt cx="0" cy="0"/>
+        </a:xfrm>
+      </p:grpSpPr>
+      <p:sp>
+        <p:nvSpPr>
+          <p:cNvPr id="2" name="Título 1"/>
+          <p:cNvSpPr>
+            <a:spLocks noGrp="1"/>
+          </p:cNvSpPr>
+          <p:nvPr>
+            <p:ph type="title"/>
+          </p:nvPr>
+        </p:nvSpPr>
+        <p:spPr/>
+        <p:txBody>
+          <a:bodyPr/>
+          <a:lstStyle/>
+          <a:p>
+            <a:r>
+              <a:rPr lang="es-MX" dirty="0" smtClean="0"/>
+              <a:t>Patrones</a:t>
+            </a:r>
+            <a:endParaRPr lang="es-MX" dirty="0"/>
+          </a:p>
+        </p:txBody>
+      </p:sp>
+      <p:sp>
+        <p:nvSpPr>
+          <p:cNvPr id="4" name="Marcador de número de diapositiva 3"/>
+          <p:cNvSpPr>
+            <a:spLocks noGrp="1"/>
+          </p:cNvSpPr>
+          <p:nvPr>
+            <p:ph type="sldNum" idx="12"/>
+          </p:nvPr>
+        </p:nvSpPr>
+        <p:spPr/>
+        <p:txBody>
+          <a:bodyPr/>
+          <a:lstStyle/>
+          <a:p>
+            <a:pPr marL="0" lvl="0" indent="0">
+              <a:spcBef>
+                <a:spcPts val="0"/>
+              </a:spcBef>
+              <a:spcAft>
+                <a:spcPts val="0"/>
+              </a:spcAft>
+              <a:buNone/>
+            </a:pPr>
+            <a:fld id="{00000000-1234-1234-1234-123412341234}" type="slidenum">
+              <a:rPr lang="es-MX" smtClean="0"/>
+              <a:t>24</a:t>
+            </a:fld>
+            <a:endParaRPr lang="es-MX"/>
+          </a:p>
+        </p:txBody>
+      </p:sp>
+      <p:pic>
+        <p:nvPicPr>
+          <p:cNvPr id="5" name="Imagen 4"/>
+          <p:cNvPicPr>
+            <a:picLocks noChangeAspect="1"/>
+          </p:cNvPicPr>
+          <p:nvPr/>
+        </p:nvPicPr>
+        <p:blipFill>
+          <a:blip r:embed="rId2"/>
+          <a:stretch>
+            <a:fillRect/>
+          </a:stretch>
+        </p:blipFill>
+        <p:spPr>
+          <a:xfrm>
+            <a:off x="938212" y="1677987"/>
+            <a:ext cx="2543175" cy="1914525"/>
+          </a:xfrm>
+          <a:prstGeom prst="rect">
+            <a:avLst/>
+          </a:prstGeom>
+        </p:spPr>
+      </p:pic>
+      <p:pic>
+        <p:nvPicPr>
+          <p:cNvPr id="6" name="Imagen 5"/>
+          <p:cNvPicPr>
+            <a:picLocks noChangeAspect="1"/>
+          </p:cNvPicPr>
+          <p:nvPr/>
+        </p:nvPicPr>
+        <p:blipFill>
+          <a:blip r:embed="rId3"/>
+          <a:stretch>
+            <a:fillRect/>
+          </a:stretch>
+        </p:blipFill>
+        <p:spPr>
+          <a:xfrm>
+            <a:off x="5153025" y="1635124"/>
+            <a:ext cx="2419350" cy="2000250"/>
+          </a:xfrm>
+          <a:prstGeom prst="rect">
+            <a:avLst/>
+          </a:prstGeom>
+        </p:spPr>
+      </p:pic>
+    </p:spTree>
+    <p:extLst>
+      <p:ext uri="{BB962C8B-B14F-4D97-AF65-F5344CB8AC3E}">
+        <p14:creationId xmlns:p14="http://schemas.microsoft.com/office/powerpoint/2010/main" val="515758623"/>
+      </p:ext>
+    </p:extLst>
+  </p:cSld>
+  <p:clrMapOvr>
+    <a:masterClrMapping/>
+  </p:clrMapOvr>
+</p:sld>
+</file>
+
+<file path=ppt/slides/slide25.xml><?xml version="1.0" encoding="utf-8"?>
+<p:sld xmlns:a="http://schemas.openxmlformats.org/drawingml/2006/main" xmlns:r="http://schemas.openxmlformats.org/officeDocument/2006/relationships" xmlns:p="http://schemas.openxmlformats.org/presentationml/2006/main">
+  <p:cSld>
+    <p:spTree>
+      <p:nvGrpSpPr>
+        <p:cNvPr id="1" name=""/>
+        <p:cNvGrpSpPr/>
+        <p:nvPr/>
+      </p:nvGrpSpPr>
+      <p:grpSpPr>
+        <a:xfrm>
+          <a:off x="0" y="0"/>
+          <a:ext cx="0" cy="0"/>
+          <a:chOff x="0" y="0"/>
+          <a:chExt cx="0" cy="0"/>
+        </a:xfrm>
+      </p:grpSpPr>
+      <p:sp>
+        <p:nvSpPr>
+          <p:cNvPr id="2" name="Título 1"/>
+          <p:cNvSpPr>
+            <a:spLocks noGrp="1"/>
+          </p:cNvSpPr>
+          <p:nvPr>
+            <p:ph type="title"/>
+          </p:nvPr>
+        </p:nvSpPr>
+        <p:spPr/>
+        <p:txBody>
+          <a:bodyPr/>
+          <a:lstStyle/>
+          <a:p>
+            <a:endParaRPr lang="es-MX"/>
+          </a:p>
+        </p:txBody>
+      </p:sp>
+      <p:sp>
+        <p:nvSpPr>
+          <p:cNvPr id="4" name="Marcador de número de diapositiva 3"/>
+          <p:cNvSpPr>
+            <a:spLocks noGrp="1"/>
+          </p:cNvSpPr>
+          <p:nvPr>
+            <p:ph type="sldNum" idx="12"/>
+          </p:nvPr>
+        </p:nvSpPr>
+        <p:spPr/>
+        <p:txBody>
+          <a:bodyPr/>
+          <a:lstStyle/>
+          <a:p>
+            <a:pPr marL="0" lvl="0" indent="0">
+              <a:spcBef>
+                <a:spcPts val="0"/>
+              </a:spcBef>
+              <a:spcAft>
+                <a:spcPts val="0"/>
+              </a:spcAft>
+              <a:buNone/>
+            </a:pPr>
+            <a:fld id="{00000000-1234-1234-1234-123412341234}" type="slidenum">
+              <a:rPr lang="es-MX" smtClean="0"/>
+              <a:t>25</a:t>
+            </a:fld>
+            <a:endParaRPr lang="es-MX"/>
+          </a:p>
+        </p:txBody>
+      </p:sp>
+      <p:pic>
+        <p:nvPicPr>
+          <p:cNvPr id="5" name="Imagen 4"/>
+          <p:cNvPicPr>
+            <a:picLocks noChangeAspect="1"/>
+          </p:cNvPicPr>
+          <p:nvPr/>
+        </p:nvPicPr>
+        <p:blipFill>
+          <a:blip r:embed="rId2"/>
+          <a:stretch>
+            <a:fillRect/>
+          </a:stretch>
+        </p:blipFill>
+        <p:spPr>
+          <a:xfrm>
+            <a:off x="1074625" y="1766886"/>
+            <a:ext cx="2352675" cy="1914525"/>
+          </a:xfrm>
+          <a:prstGeom prst="rect">
+            <a:avLst/>
+          </a:prstGeom>
+        </p:spPr>
+      </p:pic>
+      <p:pic>
+        <p:nvPicPr>
+          <p:cNvPr id="6" name="Imagen 5"/>
+          <p:cNvPicPr>
+            <a:picLocks noChangeAspect="1"/>
+          </p:cNvPicPr>
+          <p:nvPr/>
+        </p:nvPicPr>
+        <p:blipFill>
+          <a:blip r:embed="rId3"/>
+          <a:stretch>
+            <a:fillRect/>
+          </a:stretch>
+        </p:blipFill>
+        <p:spPr>
+          <a:xfrm>
+            <a:off x="5026025" y="1766887"/>
+            <a:ext cx="2457450" cy="1914525"/>
+          </a:xfrm>
+          <a:prstGeom prst="rect">
+            <a:avLst/>
+          </a:prstGeom>
+        </p:spPr>
+      </p:pic>
+    </p:spTree>
+    <p:extLst>
+      <p:ext uri="{BB962C8B-B14F-4D97-AF65-F5344CB8AC3E}">
+        <p14:creationId xmlns:p14="http://schemas.microsoft.com/office/powerpoint/2010/main" val="2481796189"/>
+      </p:ext>
+    </p:extLst>
+  </p:cSld>
+  <p:clrMapOvr>
+    <a:masterClrMapping/>
+  </p:clrMapOvr>
+</p:sld>
+</file>
+
+<file path=ppt/slides/slide26.xml><?xml version="1.0" encoding="utf-8"?>
 <p:sld xmlns:a="http://schemas.openxmlformats.org/drawingml/2006/main" xmlns:r="http://schemas.openxmlformats.org/officeDocument/2006/relationships" xmlns:p="http://schemas.openxmlformats.org/presentationml/2006/main">
   <p:cSld>
     <p:spTree>
@@ -11039,7 +10257,7 @@
             </a:pPr>
             <a:fld id="{00000000-1234-1234-1234-123412341234}" type="slidenum">
               <a:rPr lang="es-MX" smtClean="0"/>
-              <a:t>24</a:t>
+              <a:t>26</a:t>
             </a:fld>
             <a:endParaRPr lang="es-MX"/>
           </a:p>
@@ -11163,21 +10381,8 @@
           <a:p>
             <a:r>
               <a:rPr lang="es-MX" sz="2000" dirty="0" smtClean="0"/>
-              <a:t>Octubre </a:t>
-            </a:r>
-            <a:r>
-              <a:rPr lang="es-MX" sz="2000" dirty="0" smtClean="0"/>
-              <a:t>22 </a:t>
-            </a:r>
-            <a:r>
-              <a:rPr lang="es-MX" sz="2000" dirty="0" smtClean="0"/>
-              <a:t>y </a:t>
-            </a:r>
-            <a:r>
-              <a:rPr lang="es-MX" sz="2000" dirty="0" smtClean="0"/>
-              <a:t>24:</a:t>
-            </a:r>
-            <a:endParaRPr lang="es-MX" sz="2000" dirty="0" smtClean="0"/>
+              <a:t>Octubre 22 y 24:</a:t>
+            </a:r>
           </a:p>
           <a:p>
             <a:pPr lvl="1"/>
@@ -11204,23 +10409,14 @@
             <a:pPr lvl="2"/>
             <a:r>
               <a:rPr lang="es-MX" sz="2000" dirty="0" smtClean="0"/>
-              <a:t>1º  Examen </a:t>
-            </a:r>
+              <a:t>1º  Examen Individual (22 Octubre)</a:t>
+            </a:r>
+          </a:p>
+          <a:p>
+            <a:pPr lvl="2"/>
             <a:r>
               <a:rPr lang="es-MX" sz="2000" dirty="0" smtClean="0"/>
-              <a:t>Individual (22 Octubre)</a:t>
-            </a:r>
-            <a:endParaRPr lang="es-MX" sz="2000" dirty="0" smtClean="0"/>
-          </a:p>
-          <a:p>
-            <a:pPr lvl="2"/>
-            <a:r>
-              <a:rPr lang="es-MX" sz="2000" dirty="0" smtClean="0"/>
-              <a:t>2ª Evaluación </a:t>
-            </a:r>
-            <a:r>
-              <a:rPr lang="es-MX" sz="2000" dirty="0" smtClean="0"/>
-              <a:t>Grupal (24 Octubre)</a:t>
+              <a:t>2ª Evaluación Grupal (24 Octubre)</a:t>
             </a:r>
           </a:p>
           <a:p>
